--- a/Kadarkuti_Marton/_ERETTSEGI_GYAKR/23maj22/domino.pptx
+++ b/Kadarkuti_Marton/_ERETTSEGI_GYAKR/23maj22/domino.pptx
@@ -6,7 +6,6 @@
   </p:sldMasterIdLst>
   <p:sldIdLst>
     <p:sldId id="256" r:id="rId5"/>
-    <p:sldId id="257" r:id="rId6"/>
   </p:sldIdLst>
   <p:sldSz cx="9906000" cy="6858000" type="A4"/>
   <p:notesSz cx="6858000" cy="9144000"/>
@@ -105,6 +104,22 @@
       </a:defRPr>
     </a:lvl9pPr>
   </p:defaultTextStyle>
+  <p:extLst>
+    <p:ext uri="{EFAFB233-063F-42B5-8137-9DF3F51BA10A}">
+      <p15:sldGuideLst xmlns:p15="http://schemas.microsoft.com/office/powerpoint/2012/main">
+        <p15:guide id="1" orient="horz" pos="2160" userDrawn="1">
+          <p15:clr>
+            <a:srgbClr val="A4A3A4"/>
+          </p15:clr>
+        </p15:guide>
+        <p15:guide id="2" pos="3120" userDrawn="1">
+          <p15:clr>
+            <a:srgbClr val="A4A3A4"/>
+          </p15:clr>
+        </p15:guide>
+      </p15:sldGuideLst>
+    </p:ext>
+  </p:extLst>
 </p:presentation>
 </file>
 
@@ -514,7 +529,7 @@
           <a:p>
             <a:fld id="{C26A7387-9587-41D3-9956-42F63FDA5074}" type="datetimeFigureOut">
               <a:rPr lang="hu-HU" smtClean="0"/>
-              <a:t>2024. 12. 19.</a:t>
+              <a:t>2024. 12. 28.</a:t>
             </a:fld>
             <a:endParaRPr lang="hu-HU"/>
           </a:p>
@@ -684,7 +699,7 @@
           <a:p>
             <a:fld id="{C26A7387-9587-41D3-9956-42F63FDA5074}" type="datetimeFigureOut">
               <a:rPr lang="hu-HU" smtClean="0"/>
-              <a:t>2024. 12. 19.</a:t>
+              <a:t>2024. 12. 28.</a:t>
             </a:fld>
             <a:endParaRPr lang="hu-HU"/>
           </a:p>
@@ -864,7 +879,7 @@
           <a:p>
             <a:fld id="{C26A7387-9587-41D3-9956-42F63FDA5074}" type="datetimeFigureOut">
               <a:rPr lang="hu-HU" smtClean="0"/>
-              <a:t>2024. 12. 19.</a:t>
+              <a:t>2024. 12. 28.</a:t>
             </a:fld>
             <a:endParaRPr lang="hu-HU"/>
           </a:p>
@@ -1034,7 +1049,7 @@
           <a:p>
             <a:fld id="{C26A7387-9587-41D3-9956-42F63FDA5074}" type="datetimeFigureOut">
               <a:rPr lang="hu-HU" smtClean="0"/>
-              <a:t>2024. 12. 19.</a:t>
+              <a:t>2024. 12. 28.</a:t>
             </a:fld>
             <a:endParaRPr lang="hu-HU"/>
           </a:p>
@@ -1278,7 +1293,7 @@
           <a:p>
             <a:fld id="{C26A7387-9587-41D3-9956-42F63FDA5074}" type="datetimeFigureOut">
               <a:rPr lang="hu-HU" smtClean="0"/>
-              <a:t>2024. 12. 19.</a:t>
+              <a:t>2024. 12. 28.</a:t>
             </a:fld>
             <a:endParaRPr lang="hu-HU"/>
           </a:p>
@@ -1510,7 +1525,7 @@
           <a:p>
             <a:fld id="{C26A7387-9587-41D3-9956-42F63FDA5074}" type="datetimeFigureOut">
               <a:rPr lang="hu-HU" smtClean="0"/>
-              <a:t>2024. 12. 19.</a:t>
+              <a:t>2024. 12. 28.</a:t>
             </a:fld>
             <a:endParaRPr lang="hu-HU"/>
           </a:p>
@@ -1877,7 +1892,7 @@
           <a:p>
             <a:fld id="{C26A7387-9587-41D3-9956-42F63FDA5074}" type="datetimeFigureOut">
               <a:rPr lang="hu-HU" smtClean="0"/>
-              <a:t>2024. 12. 19.</a:t>
+              <a:t>2024. 12. 28.</a:t>
             </a:fld>
             <a:endParaRPr lang="hu-HU"/>
           </a:p>
@@ -1995,7 +2010,7 @@
           <a:p>
             <a:fld id="{C26A7387-9587-41D3-9956-42F63FDA5074}" type="datetimeFigureOut">
               <a:rPr lang="hu-HU" smtClean="0"/>
-              <a:t>2024. 12. 19.</a:t>
+              <a:t>2024. 12. 28.</a:t>
             </a:fld>
             <a:endParaRPr lang="hu-HU"/>
           </a:p>
@@ -2090,7 +2105,7 @@
           <a:p>
             <a:fld id="{C26A7387-9587-41D3-9956-42F63FDA5074}" type="datetimeFigureOut">
               <a:rPr lang="hu-HU" smtClean="0"/>
-              <a:t>2024. 12. 19.</a:t>
+              <a:t>2024. 12. 28.</a:t>
             </a:fld>
             <a:endParaRPr lang="hu-HU"/>
           </a:p>
@@ -2367,7 +2382,7 @@
           <a:p>
             <a:fld id="{C26A7387-9587-41D3-9956-42F63FDA5074}" type="datetimeFigureOut">
               <a:rPr lang="hu-HU" smtClean="0"/>
-              <a:t>2024. 12. 19.</a:t>
+              <a:t>2024. 12. 28.</a:t>
             </a:fld>
             <a:endParaRPr lang="hu-HU"/>
           </a:p>
@@ -2624,7 +2639,7 @@
           <a:p>
             <a:fld id="{C26A7387-9587-41D3-9956-42F63FDA5074}" type="datetimeFigureOut">
               <a:rPr lang="hu-HU" smtClean="0"/>
-              <a:t>2024. 12. 19.</a:t>
+              <a:t>2024. 12. 28.</a:t>
             </a:fld>
             <a:endParaRPr lang="hu-HU"/>
           </a:p>
@@ -2837,7 +2852,7 @@
           <a:p>
             <a:fld id="{C26A7387-9587-41D3-9956-42F63FDA5074}" type="datetimeFigureOut">
               <a:rPr lang="hu-HU" smtClean="0"/>
-              <a:t>2024. 12. 19.</a:t>
+              <a:t>2024. 12. 28.</a:t>
             </a:fld>
             <a:endParaRPr lang="hu-HU"/>
           </a:p>
@@ -3242,840 +3257,2007 @@
           <a:chExt cx="0" cy="0"/>
         </a:xfrm>
       </p:grpSpPr>
-      <p:sp>
-        <p:nvSpPr>
-          <p:cNvPr id="14" name="Nyíl: ötszög 13">
+      <p:grpSp>
+        <p:nvGrpSpPr>
+          <p:cNvPr id="43" name="Csoportba foglalás 42">
             <a:extLst>
               <a:ext uri="{FF2B5EF4-FFF2-40B4-BE49-F238E27FC236}">
-                <a16:creationId xmlns:a16="http://schemas.microsoft.com/office/drawing/2014/main" id="{AA612BCF-1B18-4D91-AC90-B057AF079EC9}"/>
+                <a16:creationId xmlns:a16="http://schemas.microsoft.com/office/drawing/2014/main" id="{3F055DFD-5ADE-35AE-774B-504D18010483}"/>
               </a:ext>
             </a:extLst>
           </p:cNvPr>
-          <p:cNvSpPr/>
+          <p:cNvGrpSpPr/>
           <p:nvPr/>
-        </p:nvSpPr>
-        <p:spPr>
-          <a:xfrm>
-            <a:off x="12700" y="343385"/>
-            <a:ext cx="2880000" cy="648000"/>
-          </a:xfrm>
-          <a:prstGeom prst="homePlate">
-            <a:avLst/>
-          </a:prstGeom>
-          <a:solidFill>
-            <a:srgbClr val="000000"/>
-          </a:solidFill>
-          <a:ln>
-            <a:noFill/>
-          </a:ln>
-        </p:spPr>
-        <p:style>
-          <a:lnRef idx="2">
-            <a:schemeClr val="accent1">
-              <a:shade val="50000"/>
-            </a:schemeClr>
-          </a:lnRef>
-          <a:fillRef idx="1">
-            <a:schemeClr val="accent1"/>
-          </a:fillRef>
-          <a:effectRef idx="0">
-            <a:schemeClr val="accent1"/>
-          </a:effectRef>
-          <a:fontRef idx="minor">
-            <a:schemeClr val="lt1"/>
-          </a:fontRef>
-        </p:style>
-        <p:txBody>
-          <a:bodyPr rtlCol="0" anchor="ctr"/>
-          <a:lstStyle/>
-          <a:p>
-            <a:pPr algn="ctr"/>
-            <a:endParaRPr lang="hu-HU" sz="2800" b="1" dirty="0"/>
-          </a:p>
-        </p:txBody>
-      </p:sp>
-      <p:pic>
-        <p:nvPicPr>
-          <p:cNvPr id="10" name="Kép 9">
-            <a:extLst>
-              <a:ext uri="{FF2B5EF4-FFF2-40B4-BE49-F238E27FC236}">
-                <a16:creationId xmlns:a16="http://schemas.microsoft.com/office/drawing/2014/main" id="{5A4C853E-9DF3-40E4-B629-13F53081311F}"/>
-              </a:ext>
-            </a:extLst>
-          </p:cNvPr>
-          <p:cNvPicPr>
-            <a:picLocks noChangeAspect="1"/>
-          </p:cNvPicPr>
-          <p:nvPr/>
-        </p:nvPicPr>
-        <p:blipFill>
-          <a:blip r:embed="rId2">
-            <a:extLst>
-              <a:ext uri="{28A0092B-C50C-407E-A947-70E740481C1C}">
-                <a14:useLocalDpi xmlns:a14="http://schemas.microsoft.com/office/drawing/2010/main" val="0"/>
-              </a:ext>
-            </a:extLst>
-          </a:blip>
-          <a:stretch>
-            <a:fillRect/>
-          </a:stretch>
-        </p:blipFill>
-        <p:spPr>
-          <a:xfrm>
-            <a:off x="1" y="1525270"/>
-            <a:ext cx="9906000" cy="5332729"/>
-          </a:xfrm>
-          <a:prstGeom prst="rect">
-            <a:avLst/>
-          </a:prstGeom>
-          <a:noFill/>
-        </p:spPr>
-      </p:pic>
-      <p:sp>
-        <p:nvSpPr>
-          <p:cNvPr id="11" name="Téglalap 10">
-            <a:extLst>
-              <a:ext uri="{FF2B5EF4-FFF2-40B4-BE49-F238E27FC236}">
-                <a16:creationId xmlns:a16="http://schemas.microsoft.com/office/drawing/2014/main" id="{081A2C86-DAD2-4EC8-A2F1-0EE5084EA38C}"/>
-              </a:ext>
-            </a:extLst>
-          </p:cNvPr>
-          <p:cNvSpPr/>
-          <p:nvPr/>
-        </p:nvSpPr>
-        <p:spPr>
+        </p:nvGrpSpPr>
+        <p:grpSpPr>
           <a:xfrm>
             <a:off x="0" y="0"/>
-            <a:ext cx="9906000" cy="3240000"/>
+            <a:ext cx="9906001" cy="6857999"/>
+            <a:chOff x="0" y="0"/>
+            <a:chExt cx="9906001" cy="6857999"/>
           </a:xfrm>
-          <a:prstGeom prst="rect">
-            <a:avLst/>
-          </a:prstGeom>
-          <a:solidFill>
-            <a:srgbClr val="000000">
-              <a:alpha val="69804"/>
-            </a:srgbClr>
-          </a:solidFill>
-          <a:ln>
+        </p:grpSpPr>
+        <p:sp>
+          <p:nvSpPr>
+            <p:cNvPr id="14" name="Nyíl: ötszög 13">
+              <a:extLst>
+                <a:ext uri="{FF2B5EF4-FFF2-40B4-BE49-F238E27FC236}">
+                  <a16:creationId xmlns:a16="http://schemas.microsoft.com/office/drawing/2014/main" id="{AA612BCF-1B18-4D91-AC90-B057AF079EC9}"/>
+                </a:ext>
+              </a:extLst>
+            </p:cNvPr>
+            <p:cNvSpPr/>
+            <p:nvPr/>
+          </p:nvSpPr>
+          <p:spPr>
+            <a:xfrm>
+              <a:off x="12700" y="343385"/>
+              <a:ext cx="2880000" cy="648000"/>
+            </a:xfrm>
+            <a:prstGeom prst="homePlate">
+              <a:avLst/>
+            </a:prstGeom>
+            <a:solidFill>
+              <a:srgbClr val="000000"/>
+            </a:solidFill>
+            <a:ln>
+              <a:noFill/>
+            </a:ln>
+          </p:spPr>
+          <p:style>
+            <a:lnRef idx="2">
+              <a:schemeClr val="accent1">
+                <a:shade val="50000"/>
+              </a:schemeClr>
+            </a:lnRef>
+            <a:fillRef idx="1">
+              <a:schemeClr val="accent1"/>
+            </a:fillRef>
+            <a:effectRef idx="0">
+              <a:schemeClr val="accent1"/>
+            </a:effectRef>
+            <a:fontRef idx="minor">
+              <a:schemeClr val="lt1"/>
+            </a:fontRef>
+          </p:style>
+          <p:txBody>
+            <a:bodyPr rtlCol="0" anchor="ctr"/>
+            <a:lstStyle/>
+            <a:p>
+              <a:pPr algn="ctr"/>
+              <a:endParaRPr lang="hu-HU" sz="2800" b="1" dirty="0"/>
+            </a:p>
+          </p:txBody>
+        </p:sp>
+        <p:pic>
+          <p:nvPicPr>
+            <p:cNvPr id="10" name="Kép 9">
+              <a:extLst>
+                <a:ext uri="{FF2B5EF4-FFF2-40B4-BE49-F238E27FC236}">
+                  <a16:creationId xmlns:a16="http://schemas.microsoft.com/office/drawing/2014/main" id="{5A4C853E-9DF3-40E4-B629-13F53081311F}"/>
+                </a:ext>
+              </a:extLst>
+            </p:cNvPr>
+            <p:cNvPicPr>
+              <a:picLocks noChangeAspect="1"/>
+            </p:cNvPicPr>
+            <p:nvPr/>
+          </p:nvPicPr>
+          <p:blipFill>
+            <a:blip r:embed="rId2">
+              <a:extLst>
+                <a:ext uri="{28A0092B-C50C-407E-A947-70E740481C1C}">
+                  <a14:useLocalDpi xmlns:a14="http://schemas.microsoft.com/office/drawing/2010/main" val="0"/>
+                </a:ext>
+              </a:extLst>
+            </a:blip>
+            <a:stretch>
+              <a:fillRect/>
+            </a:stretch>
+          </p:blipFill>
+          <p:spPr>
+            <a:xfrm>
+              <a:off x="1" y="1525270"/>
+              <a:ext cx="9906000" cy="5332729"/>
+            </a:xfrm>
+            <a:prstGeom prst="rect">
+              <a:avLst/>
+            </a:prstGeom>
             <a:noFill/>
-          </a:ln>
-        </p:spPr>
-        <p:style>
-          <a:lnRef idx="2">
-            <a:schemeClr val="accent1">
-              <a:shade val="50000"/>
-            </a:schemeClr>
-          </a:lnRef>
-          <a:fillRef idx="1">
-            <a:schemeClr val="accent1"/>
-          </a:fillRef>
-          <a:effectRef idx="0">
-            <a:schemeClr val="accent1"/>
-          </a:effectRef>
-          <a:fontRef idx="minor">
-            <a:schemeClr val="lt1"/>
-          </a:fontRef>
-        </p:style>
-        <p:txBody>
-          <a:bodyPr rtlCol="0" anchor="ctr"/>
-          <a:lstStyle/>
-          <a:p>
-            <a:pPr algn="ctr"/>
-            <a:endParaRPr lang="hu-HU" dirty="0"/>
-          </a:p>
-        </p:txBody>
-      </p:sp>
-      <p:sp>
-        <p:nvSpPr>
-          <p:cNvPr id="13" name="Nyíl: ötszög 12">
-            <a:extLst>
-              <a:ext uri="{FF2B5EF4-FFF2-40B4-BE49-F238E27FC236}">
-                <a16:creationId xmlns:a16="http://schemas.microsoft.com/office/drawing/2014/main" id="{A3622D88-43F4-4802-87E4-CA201EE60B2E}"/>
-              </a:ext>
-            </a:extLst>
-          </p:cNvPr>
-          <p:cNvSpPr/>
-          <p:nvPr/>
-        </p:nvSpPr>
-        <p:spPr>
-          <a:xfrm>
-            <a:off x="0" y="286235"/>
-            <a:ext cx="2880000" cy="648000"/>
-          </a:xfrm>
-          <a:prstGeom prst="homePlate">
-            <a:avLst/>
-          </a:prstGeom>
-          <a:solidFill>
-            <a:srgbClr val="F7941D"/>
-          </a:solidFill>
-          <a:ln>
+          </p:spPr>
+        </p:pic>
+        <p:sp>
+          <p:nvSpPr>
+            <p:cNvPr id="11" name="Téglalap 10">
+              <a:extLst>
+                <a:ext uri="{FF2B5EF4-FFF2-40B4-BE49-F238E27FC236}">
+                  <a16:creationId xmlns:a16="http://schemas.microsoft.com/office/drawing/2014/main" id="{081A2C86-DAD2-4EC8-A2F1-0EE5084EA38C}"/>
+                </a:ext>
+              </a:extLst>
+            </p:cNvPr>
+            <p:cNvSpPr/>
+            <p:nvPr/>
+          </p:nvSpPr>
+          <p:spPr>
+            <a:xfrm>
+              <a:off x="0" y="0"/>
+              <a:ext cx="9906000" cy="3240000"/>
+            </a:xfrm>
+            <a:prstGeom prst="rect">
+              <a:avLst/>
+            </a:prstGeom>
+            <a:solidFill>
+              <a:srgbClr val="000000">
+                <a:alpha val="69804"/>
+              </a:srgbClr>
+            </a:solidFill>
+            <a:ln>
+              <a:noFill/>
+            </a:ln>
+          </p:spPr>
+          <p:style>
+            <a:lnRef idx="2">
+              <a:schemeClr val="accent1">
+                <a:shade val="50000"/>
+              </a:schemeClr>
+            </a:lnRef>
+            <a:fillRef idx="1">
+              <a:schemeClr val="accent1"/>
+            </a:fillRef>
+            <a:effectRef idx="0">
+              <a:schemeClr val="accent1"/>
+            </a:effectRef>
+            <a:fontRef idx="minor">
+              <a:schemeClr val="lt1"/>
+            </a:fontRef>
+          </p:style>
+          <p:txBody>
+            <a:bodyPr rtlCol="0" anchor="ctr"/>
+            <a:lstStyle/>
+            <a:p>
+              <a:pPr algn="ctr"/>
+              <a:endParaRPr lang="hu-HU" dirty="0"/>
+            </a:p>
+          </p:txBody>
+        </p:sp>
+        <p:sp>
+          <p:nvSpPr>
+            <p:cNvPr id="13" name="Nyíl: ötszög 12">
+              <a:extLst>
+                <a:ext uri="{FF2B5EF4-FFF2-40B4-BE49-F238E27FC236}">
+                  <a16:creationId xmlns:a16="http://schemas.microsoft.com/office/drawing/2014/main" id="{A3622D88-43F4-4802-87E4-CA201EE60B2E}"/>
+                </a:ext>
+              </a:extLst>
+            </p:cNvPr>
+            <p:cNvSpPr/>
+            <p:nvPr/>
+          </p:nvSpPr>
+          <p:spPr>
+            <a:xfrm>
+              <a:off x="0" y="286235"/>
+              <a:ext cx="2880000" cy="648000"/>
+            </a:xfrm>
+            <a:prstGeom prst="homePlate">
+              <a:avLst/>
+            </a:prstGeom>
+            <a:solidFill>
+              <a:srgbClr val="F7941D"/>
+            </a:solidFill>
+            <a:ln>
+              <a:noFill/>
+            </a:ln>
+          </p:spPr>
+          <p:style>
+            <a:lnRef idx="2">
+              <a:schemeClr val="accent1">
+                <a:shade val="50000"/>
+              </a:schemeClr>
+            </a:lnRef>
+            <a:fillRef idx="1">
+              <a:schemeClr val="accent1"/>
+            </a:fillRef>
+            <a:effectRef idx="0">
+              <a:schemeClr val="accent1"/>
+            </a:effectRef>
+            <a:fontRef idx="minor">
+              <a:schemeClr val="lt1"/>
+            </a:fontRef>
+          </p:style>
+          <p:txBody>
+            <a:bodyPr rtlCol="0" anchor="ctr"/>
+            <a:lstStyle/>
+            <a:p>
+              <a:pPr algn="ctr"/>
+              <a:r>
+                <a:rPr lang="hu-HU" sz="3200" b="1" dirty="0"/>
+                <a:t>Számold ki!</a:t>
+              </a:r>
+            </a:p>
+          </p:txBody>
+        </p:sp>
+        <p:sp>
+          <p:nvSpPr>
+            <p:cNvPr id="16" name="Szövegdoboz 15">
+              <a:extLst>
+                <a:ext uri="{FF2B5EF4-FFF2-40B4-BE49-F238E27FC236}">
+                  <a16:creationId xmlns:a16="http://schemas.microsoft.com/office/drawing/2014/main" id="{78348D22-FC53-4CAD-A365-87B960C551E3}"/>
+                </a:ext>
+              </a:extLst>
+            </p:cNvPr>
+            <p:cNvSpPr txBox="1"/>
+            <p:nvPr/>
+          </p:nvSpPr>
+          <p:spPr>
+            <a:xfrm>
+              <a:off x="3219627" y="1943100"/>
+              <a:ext cx="6521272" cy="769441"/>
+            </a:xfrm>
+            <a:prstGeom prst="rect">
+              <a:avLst/>
+            </a:prstGeom>
             <a:noFill/>
-          </a:ln>
-        </p:spPr>
-        <p:style>
-          <a:lnRef idx="2">
-            <a:schemeClr val="accent1">
-              <a:shade val="50000"/>
-            </a:schemeClr>
-          </a:lnRef>
-          <a:fillRef idx="1">
-            <a:schemeClr val="accent1"/>
-          </a:fillRef>
-          <a:effectRef idx="0">
-            <a:schemeClr val="accent1"/>
-          </a:effectRef>
-          <a:fontRef idx="minor">
-            <a:schemeClr val="lt1"/>
-          </a:fontRef>
-        </p:style>
-        <p:txBody>
-          <a:bodyPr rtlCol="0" anchor="ctr"/>
-          <a:lstStyle/>
-          <a:p>
-            <a:pPr algn="ctr"/>
-            <a:r>
-              <a:rPr lang="hu-HU" sz="3200" b="1" dirty="0"/>
-              <a:t>Számold ki!</a:t>
-            </a:r>
-          </a:p>
-        </p:txBody>
-      </p:sp>
-      <p:sp>
-        <p:nvSpPr>
-          <p:cNvPr id="16" name="Szövegdoboz 15">
-            <a:extLst>
-              <a:ext uri="{FF2B5EF4-FFF2-40B4-BE49-F238E27FC236}">
-                <a16:creationId xmlns:a16="http://schemas.microsoft.com/office/drawing/2014/main" id="{78348D22-FC53-4CAD-A365-87B960C551E3}"/>
-              </a:ext>
-            </a:extLst>
-          </p:cNvPr>
-          <p:cNvSpPr txBox="1"/>
-          <p:nvPr/>
-        </p:nvSpPr>
-        <p:spPr>
-          <a:xfrm>
-            <a:off x="3219627" y="1943100"/>
-            <a:ext cx="6521272" cy="769441"/>
-          </a:xfrm>
-          <a:prstGeom prst="rect">
-            <a:avLst/>
-          </a:prstGeom>
-          <a:noFill/>
-        </p:spPr>
-        <p:txBody>
-          <a:bodyPr wrap="none" rtlCol="0">
-            <a:spAutoFit/>
-          </a:bodyPr>
-          <a:lstStyle/>
-          <a:p>
-            <a:r>
-              <a:rPr lang="hu-HU" sz="4400" b="1" dirty="0">
+          </p:spPr>
+          <p:txBody>
+            <a:bodyPr wrap="none" rtlCol="0">
+              <a:spAutoFit/>
+            </a:bodyPr>
+            <a:lstStyle/>
+            <a:p>
+              <a:r>
+                <a:rPr lang="hu-HU" sz="4400" b="1" dirty="0">
+                  <a:solidFill>
+                    <a:schemeClr val="bg1"/>
+                  </a:solidFill>
+                </a:rPr>
+                <a:t>Dominós könnyű feladvány</a:t>
+              </a:r>
+            </a:p>
+          </p:txBody>
+        </p:sp>
+        <p:grpSp>
+          <p:nvGrpSpPr>
+            <p:cNvPr id="42" name="Csoportba foglalás 41">
+              <a:extLst>
+                <a:ext uri="{FF2B5EF4-FFF2-40B4-BE49-F238E27FC236}">
+                  <a16:creationId xmlns:a16="http://schemas.microsoft.com/office/drawing/2014/main" id="{07D3332B-C7B0-16DE-933C-7A8996910B2A}"/>
+                </a:ext>
+              </a:extLst>
+            </p:cNvPr>
+            <p:cNvGrpSpPr/>
+            <p:nvPr/>
+          </p:nvGrpSpPr>
+          <p:grpSpPr>
+            <a:xfrm>
+              <a:off x="453000" y="3248999"/>
+              <a:ext cx="9000000" cy="3600000"/>
+              <a:chOff x="279746" y="3303062"/>
+              <a:chExt cx="9000000" cy="3600000"/>
+            </a:xfrm>
+          </p:grpSpPr>
+          <p:sp>
+            <p:nvSpPr>
+              <p:cNvPr id="3" name="Téglalap 2">
+                <a:extLst>
+                  <a:ext uri="{FF2B5EF4-FFF2-40B4-BE49-F238E27FC236}">
+                    <a16:creationId xmlns:a16="http://schemas.microsoft.com/office/drawing/2014/main" id="{804DCB1D-E9C7-E836-B72C-CCF00C0241CC}"/>
+                  </a:ext>
+                </a:extLst>
+              </p:cNvPr>
+              <p:cNvSpPr/>
+              <p:nvPr/>
+            </p:nvSpPr>
+            <p:spPr>
+              <a:xfrm>
+                <a:off x="279746" y="3303062"/>
+                <a:ext cx="9000000" cy="3600000"/>
+              </a:xfrm>
+              <a:prstGeom prst="rect">
+                <a:avLst/>
+              </a:prstGeom>
+              <a:solidFill>
+                <a:schemeClr val="bg1"/>
+              </a:solidFill>
+              <a:ln>
+                <a:noFill/>
+              </a:ln>
+            </p:spPr>
+            <p:style>
+              <a:lnRef idx="2">
+                <a:schemeClr val="accent1">
+                  <a:shade val="15000"/>
+                </a:schemeClr>
+              </a:lnRef>
+              <a:fillRef idx="1">
+                <a:schemeClr val="accent1"/>
+              </a:fillRef>
+              <a:effectRef idx="0">
+                <a:schemeClr val="accent1"/>
+              </a:effectRef>
+              <a:fontRef idx="minor">
+                <a:schemeClr val="lt1"/>
+              </a:fontRef>
+            </p:style>
+            <p:txBody>
+              <a:bodyPr rtlCol="0" anchor="t"/>
+              <a:lstStyle/>
+              <a:p>
+                <a:pPr algn="ctr"/>
+                <a:r>
+                  <a:rPr lang="hu-HU" sz="2800" dirty="0">
+                    <a:solidFill>
+                      <a:schemeClr val="tx1"/>
+                    </a:solidFill>
+                  </a:rPr>
+                  <a:t>Hány pötty kerül az utolsó dominóban a kérdőjel helyére?</a:t>
+                </a:r>
+              </a:p>
+            </p:txBody>
+          </p:sp>
+          <p:sp>
+            <p:nvSpPr>
+              <p:cNvPr id="4" name="Téglalap: lekerekített 3">
+                <a:extLst>
+                  <a:ext uri="{FF2B5EF4-FFF2-40B4-BE49-F238E27FC236}">
+                    <a16:creationId xmlns:a16="http://schemas.microsoft.com/office/drawing/2014/main" id="{76E79FF3-03C5-CA24-25EC-DAE1B68DA474}"/>
+                  </a:ext>
+                </a:extLst>
+              </p:cNvPr>
+              <p:cNvSpPr/>
+              <p:nvPr/>
+            </p:nvSpPr>
+            <p:spPr>
+              <a:xfrm>
+                <a:off x="867037" y="4146958"/>
+                <a:ext cx="1080000" cy="2160000"/>
+              </a:xfrm>
+              <a:prstGeom prst="roundRect">
+                <a:avLst/>
+              </a:prstGeom>
+              <a:solidFill>
+                <a:schemeClr val="bg1"/>
+              </a:solidFill>
+              <a:ln w="68400">
                 <a:solidFill>
-                  <a:schemeClr val="bg1"/>
+                  <a:schemeClr val="tx1"/>
                 </a:solidFill>
-              </a:rPr>
-              <a:t>Dominós könnyű feladvány</a:t>
-            </a:r>
-          </a:p>
-        </p:txBody>
-      </p:sp>
+              </a:ln>
+            </p:spPr>
+            <p:style>
+              <a:lnRef idx="2">
+                <a:schemeClr val="accent1">
+                  <a:shade val="50000"/>
+                </a:schemeClr>
+              </a:lnRef>
+              <a:fillRef idx="1">
+                <a:schemeClr val="accent1"/>
+              </a:fillRef>
+              <a:effectRef idx="0">
+                <a:schemeClr val="accent1"/>
+              </a:effectRef>
+              <a:fontRef idx="minor">
+                <a:schemeClr val="lt1"/>
+              </a:fontRef>
+            </p:style>
+            <p:txBody>
+              <a:bodyPr rtlCol="0" anchor="ctr"/>
+              <a:lstStyle/>
+              <a:p>
+                <a:pPr algn="ctr"/>
+                <a:endParaRPr lang="hu-HU"/>
+              </a:p>
+            </p:txBody>
+          </p:sp>
+          <p:cxnSp>
+            <p:nvCxnSpPr>
+              <p:cNvPr id="5" name="Egyenes összekötő 4">
+                <a:extLst>
+                  <a:ext uri="{FF2B5EF4-FFF2-40B4-BE49-F238E27FC236}">
+                    <a16:creationId xmlns:a16="http://schemas.microsoft.com/office/drawing/2014/main" id="{B64AEC49-CA09-BEFD-F39F-3CE9D273D5E8}"/>
+                  </a:ext>
+                </a:extLst>
+              </p:cNvPr>
+              <p:cNvCxnSpPr/>
+              <p:nvPr/>
+            </p:nvCxnSpPr>
+            <p:spPr>
+              <a:xfrm>
+                <a:off x="975037" y="5226958"/>
+                <a:ext cx="864000" cy="0"/>
+              </a:xfrm>
+              <a:prstGeom prst="line">
+                <a:avLst/>
+              </a:prstGeom>
+              <a:ln w="36000">
+                <a:solidFill>
+                  <a:schemeClr val="tx1"/>
+                </a:solidFill>
+              </a:ln>
+            </p:spPr>
+            <p:style>
+              <a:lnRef idx="1">
+                <a:schemeClr val="accent1"/>
+              </a:lnRef>
+              <a:fillRef idx="0">
+                <a:schemeClr val="accent1"/>
+              </a:fillRef>
+              <a:effectRef idx="0">
+                <a:schemeClr val="accent1"/>
+              </a:effectRef>
+              <a:fontRef idx="minor">
+                <a:schemeClr val="tx1"/>
+              </a:fontRef>
+            </p:style>
+          </p:cxnSp>
+          <p:sp>
+            <p:nvSpPr>
+              <p:cNvPr id="6" name="Ellipszis 5">
+                <a:extLst>
+                  <a:ext uri="{FF2B5EF4-FFF2-40B4-BE49-F238E27FC236}">
+                    <a16:creationId xmlns:a16="http://schemas.microsoft.com/office/drawing/2014/main" id="{3EF3D2B1-13A7-1C49-0222-F50ACC62A5E4}"/>
+                  </a:ext>
+                </a:extLst>
+              </p:cNvPr>
+              <p:cNvSpPr/>
+              <p:nvPr/>
+            </p:nvSpPr>
+            <p:spPr>
+              <a:xfrm>
+                <a:off x="1299037" y="4578958"/>
+                <a:ext cx="216000" cy="216000"/>
+              </a:xfrm>
+              <a:prstGeom prst="ellipse">
+                <a:avLst/>
+              </a:prstGeom>
+              <a:solidFill>
+                <a:schemeClr val="tx1"/>
+              </a:solidFill>
+              <a:ln>
+                <a:noFill/>
+              </a:ln>
+            </p:spPr>
+            <p:style>
+              <a:lnRef idx="2">
+                <a:schemeClr val="accent1">
+                  <a:shade val="50000"/>
+                </a:schemeClr>
+              </a:lnRef>
+              <a:fillRef idx="1">
+                <a:schemeClr val="accent1"/>
+              </a:fillRef>
+              <a:effectRef idx="0">
+                <a:schemeClr val="accent1"/>
+              </a:effectRef>
+              <a:fontRef idx="minor">
+                <a:schemeClr val="lt1"/>
+              </a:fontRef>
+            </p:style>
+            <p:txBody>
+              <a:bodyPr rtlCol="0" anchor="ctr"/>
+              <a:lstStyle/>
+              <a:p>
+                <a:pPr algn="ctr"/>
+                <a:endParaRPr lang="hu-HU"/>
+              </a:p>
+            </p:txBody>
+          </p:sp>
+          <p:sp>
+            <p:nvSpPr>
+              <p:cNvPr id="7" name="Téglalap: lekerekített 6">
+                <a:extLst>
+                  <a:ext uri="{FF2B5EF4-FFF2-40B4-BE49-F238E27FC236}">
+                    <a16:creationId xmlns:a16="http://schemas.microsoft.com/office/drawing/2014/main" id="{57546D75-0FFF-59FC-1F4E-09BFC56B26D1}"/>
+                  </a:ext>
+                </a:extLst>
+              </p:cNvPr>
+              <p:cNvSpPr/>
+              <p:nvPr/>
+            </p:nvSpPr>
+            <p:spPr>
+              <a:xfrm>
+                <a:off x="2561313" y="4146958"/>
+                <a:ext cx="1080000" cy="2160000"/>
+              </a:xfrm>
+              <a:prstGeom prst="roundRect">
+                <a:avLst/>
+              </a:prstGeom>
+              <a:solidFill>
+                <a:schemeClr val="bg1"/>
+              </a:solidFill>
+              <a:ln w="68400">
+                <a:solidFill>
+                  <a:schemeClr val="tx1"/>
+                </a:solidFill>
+              </a:ln>
+            </p:spPr>
+            <p:style>
+              <a:lnRef idx="2">
+                <a:schemeClr val="accent1">
+                  <a:shade val="50000"/>
+                </a:schemeClr>
+              </a:lnRef>
+              <a:fillRef idx="1">
+                <a:schemeClr val="accent1"/>
+              </a:fillRef>
+              <a:effectRef idx="0">
+                <a:schemeClr val="accent1"/>
+              </a:effectRef>
+              <a:fontRef idx="minor">
+                <a:schemeClr val="lt1"/>
+              </a:fontRef>
+            </p:style>
+            <p:txBody>
+              <a:bodyPr rtlCol="0" anchor="ctr"/>
+              <a:lstStyle/>
+              <a:p>
+                <a:pPr algn="ctr"/>
+                <a:endParaRPr lang="hu-HU"/>
+              </a:p>
+            </p:txBody>
+          </p:sp>
+          <p:cxnSp>
+            <p:nvCxnSpPr>
+              <p:cNvPr id="8" name="Egyenes összekötő 7">
+                <a:extLst>
+                  <a:ext uri="{FF2B5EF4-FFF2-40B4-BE49-F238E27FC236}">
+                    <a16:creationId xmlns:a16="http://schemas.microsoft.com/office/drawing/2014/main" id="{523A9EA4-B8C1-0752-68C5-59143A7B7C59}"/>
+                  </a:ext>
+                </a:extLst>
+              </p:cNvPr>
+              <p:cNvCxnSpPr/>
+              <p:nvPr/>
+            </p:nvCxnSpPr>
+            <p:spPr>
+              <a:xfrm>
+                <a:off x="2669313" y="5226958"/>
+                <a:ext cx="864000" cy="0"/>
+              </a:xfrm>
+              <a:prstGeom prst="line">
+                <a:avLst/>
+              </a:prstGeom>
+              <a:ln w="36000">
+                <a:solidFill>
+                  <a:schemeClr val="tx1"/>
+                </a:solidFill>
+              </a:ln>
+            </p:spPr>
+            <p:style>
+              <a:lnRef idx="1">
+                <a:schemeClr val="accent1"/>
+              </a:lnRef>
+              <a:fillRef idx="0">
+                <a:schemeClr val="accent1"/>
+              </a:fillRef>
+              <a:effectRef idx="0">
+                <a:schemeClr val="accent1"/>
+              </a:effectRef>
+              <a:fontRef idx="minor">
+                <a:schemeClr val="tx1"/>
+              </a:fontRef>
+            </p:style>
+          </p:cxnSp>
+          <p:sp>
+            <p:nvSpPr>
+              <p:cNvPr id="9" name="Ellipszis 8">
+                <a:extLst>
+                  <a:ext uri="{FF2B5EF4-FFF2-40B4-BE49-F238E27FC236}">
+                    <a16:creationId xmlns:a16="http://schemas.microsoft.com/office/drawing/2014/main" id="{89DB5E47-72E6-757F-D3D1-2B7B69FCEE2C}"/>
+                  </a:ext>
+                </a:extLst>
+              </p:cNvPr>
+              <p:cNvSpPr/>
+              <p:nvPr/>
+            </p:nvSpPr>
+            <p:spPr>
+              <a:xfrm>
+                <a:off x="2993313" y="4578958"/>
+                <a:ext cx="216000" cy="216000"/>
+              </a:xfrm>
+              <a:prstGeom prst="ellipse">
+                <a:avLst/>
+              </a:prstGeom>
+              <a:solidFill>
+                <a:schemeClr val="tx1"/>
+              </a:solidFill>
+              <a:ln>
+                <a:noFill/>
+              </a:ln>
+            </p:spPr>
+            <p:style>
+              <a:lnRef idx="2">
+                <a:schemeClr val="accent1">
+                  <a:shade val="50000"/>
+                </a:schemeClr>
+              </a:lnRef>
+              <a:fillRef idx="1">
+                <a:schemeClr val="accent1"/>
+              </a:fillRef>
+              <a:effectRef idx="0">
+                <a:schemeClr val="accent1"/>
+              </a:effectRef>
+              <a:fontRef idx="minor">
+                <a:schemeClr val="lt1"/>
+              </a:fontRef>
+            </p:style>
+            <p:txBody>
+              <a:bodyPr rtlCol="0" anchor="ctr"/>
+              <a:lstStyle/>
+              <a:p>
+                <a:pPr algn="ctr"/>
+                <a:endParaRPr lang="hu-HU"/>
+              </a:p>
+            </p:txBody>
+          </p:sp>
+          <p:sp>
+            <p:nvSpPr>
+              <p:cNvPr id="12" name="Ellipszis 11">
+                <a:extLst>
+                  <a:ext uri="{FF2B5EF4-FFF2-40B4-BE49-F238E27FC236}">
+                    <a16:creationId xmlns:a16="http://schemas.microsoft.com/office/drawing/2014/main" id="{25746F79-9138-534B-F511-78BDD5628EAD}"/>
+                  </a:ext>
+                </a:extLst>
+              </p:cNvPr>
+              <p:cNvSpPr/>
+              <p:nvPr/>
+            </p:nvSpPr>
+            <p:spPr>
+              <a:xfrm>
+                <a:off x="3299513" y="5334959"/>
+                <a:ext cx="216000" cy="216000"/>
+              </a:xfrm>
+              <a:prstGeom prst="ellipse">
+                <a:avLst/>
+              </a:prstGeom>
+              <a:solidFill>
+                <a:schemeClr val="tx1"/>
+              </a:solidFill>
+              <a:ln>
+                <a:noFill/>
+              </a:ln>
+            </p:spPr>
+            <p:style>
+              <a:lnRef idx="2">
+                <a:schemeClr val="accent1">
+                  <a:shade val="50000"/>
+                </a:schemeClr>
+              </a:lnRef>
+              <a:fillRef idx="1">
+                <a:schemeClr val="accent1"/>
+              </a:fillRef>
+              <a:effectRef idx="0">
+                <a:schemeClr val="accent1"/>
+              </a:effectRef>
+              <a:fontRef idx="minor">
+                <a:schemeClr val="lt1"/>
+              </a:fontRef>
+            </p:style>
+            <p:txBody>
+              <a:bodyPr rtlCol="0" anchor="ctr"/>
+              <a:lstStyle/>
+              <a:p>
+                <a:pPr algn="ctr"/>
+                <a:endParaRPr lang="hu-HU"/>
+              </a:p>
+            </p:txBody>
+          </p:sp>
+          <p:sp>
+            <p:nvSpPr>
+              <p:cNvPr id="15" name="Ellipszis 14">
+                <a:extLst>
+                  <a:ext uri="{FF2B5EF4-FFF2-40B4-BE49-F238E27FC236}">
+                    <a16:creationId xmlns:a16="http://schemas.microsoft.com/office/drawing/2014/main" id="{C295BC98-9159-5971-DAB9-FD7F5CEBD1C2}"/>
+                  </a:ext>
+                </a:extLst>
+              </p:cNvPr>
+              <p:cNvSpPr/>
+              <p:nvPr/>
+            </p:nvSpPr>
+            <p:spPr>
+              <a:xfrm>
+                <a:off x="2676313" y="5982958"/>
+                <a:ext cx="216000" cy="216000"/>
+              </a:xfrm>
+              <a:prstGeom prst="ellipse">
+                <a:avLst/>
+              </a:prstGeom>
+              <a:solidFill>
+                <a:schemeClr val="tx1"/>
+              </a:solidFill>
+              <a:ln>
+                <a:noFill/>
+              </a:ln>
+            </p:spPr>
+            <p:style>
+              <a:lnRef idx="2">
+                <a:schemeClr val="accent1">
+                  <a:shade val="50000"/>
+                </a:schemeClr>
+              </a:lnRef>
+              <a:fillRef idx="1">
+                <a:schemeClr val="accent1"/>
+              </a:fillRef>
+              <a:effectRef idx="0">
+                <a:schemeClr val="accent1"/>
+              </a:effectRef>
+              <a:fontRef idx="minor">
+                <a:schemeClr val="lt1"/>
+              </a:fontRef>
+            </p:style>
+            <p:txBody>
+              <a:bodyPr rtlCol="0" anchor="ctr"/>
+              <a:lstStyle/>
+              <a:p>
+                <a:pPr algn="ctr"/>
+                <a:endParaRPr lang="hu-HU"/>
+              </a:p>
+            </p:txBody>
+          </p:sp>
+          <p:sp>
+            <p:nvSpPr>
+              <p:cNvPr id="17" name="Téglalap: lekerekített 16">
+                <a:extLst>
+                  <a:ext uri="{FF2B5EF4-FFF2-40B4-BE49-F238E27FC236}">
+                    <a16:creationId xmlns:a16="http://schemas.microsoft.com/office/drawing/2014/main" id="{A716A7B8-246B-9641-D3D1-9B7398911964}"/>
+                  </a:ext>
+                </a:extLst>
+              </p:cNvPr>
+              <p:cNvSpPr/>
+              <p:nvPr/>
+            </p:nvSpPr>
+            <p:spPr>
+              <a:xfrm>
+                <a:off x="4255589" y="4146958"/>
+                <a:ext cx="1080000" cy="2160000"/>
+              </a:xfrm>
+              <a:prstGeom prst="roundRect">
+                <a:avLst/>
+              </a:prstGeom>
+              <a:solidFill>
+                <a:schemeClr val="bg1"/>
+              </a:solidFill>
+              <a:ln w="68400">
+                <a:solidFill>
+                  <a:schemeClr val="tx1"/>
+                </a:solidFill>
+              </a:ln>
+            </p:spPr>
+            <p:style>
+              <a:lnRef idx="2">
+                <a:schemeClr val="accent1">
+                  <a:shade val="50000"/>
+                </a:schemeClr>
+              </a:lnRef>
+              <a:fillRef idx="1">
+                <a:schemeClr val="accent1"/>
+              </a:fillRef>
+              <a:effectRef idx="0">
+                <a:schemeClr val="accent1"/>
+              </a:effectRef>
+              <a:fontRef idx="minor">
+                <a:schemeClr val="lt1"/>
+              </a:fontRef>
+            </p:style>
+            <p:txBody>
+              <a:bodyPr rtlCol="0" anchor="ctr"/>
+              <a:lstStyle/>
+              <a:p>
+                <a:pPr algn="ctr"/>
+                <a:endParaRPr lang="hu-HU"/>
+              </a:p>
+            </p:txBody>
+          </p:sp>
+          <p:cxnSp>
+            <p:nvCxnSpPr>
+              <p:cNvPr id="18" name="Egyenes összekötő 17">
+                <a:extLst>
+                  <a:ext uri="{FF2B5EF4-FFF2-40B4-BE49-F238E27FC236}">
+                    <a16:creationId xmlns:a16="http://schemas.microsoft.com/office/drawing/2014/main" id="{C22A6F2A-8A8B-01CA-38C9-F901E7636217}"/>
+                  </a:ext>
+                </a:extLst>
+              </p:cNvPr>
+              <p:cNvCxnSpPr/>
+              <p:nvPr/>
+            </p:nvCxnSpPr>
+            <p:spPr>
+              <a:xfrm>
+                <a:off x="4363589" y="5226958"/>
+                <a:ext cx="864000" cy="0"/>
+              </a:xfrm>
+              <a:prstGeom prst="line">
+                <a:avLst/>
+              </a:prstGeom>
+              <a:ln w="36000">
+                <a:solidFill>
+                  <a:schemeClr val="tx1"/>
+                </a:solidFill>
+              </a:ln>
+            </p:spPr>
+            <p:style>
+              <a:lnRef idx="1">
+                <a:schemeClr val="accent1"/>
+              </a:lnRef>
+              <a:fillRef idx="0">
+                <a:schemeClr val="accent1"/>
+              </a:fillRef>
+              <a:effectRef idx="0">
+                <a:schemeClr val="accent1"/>
+              </a:effectRef>
+              <a:fontRef idx="minor">
+                <a:schemeClr val="tx1"/>
+              </a:fontRef>
+            </p:style>
+          </p:cxnSp>
+          <p:sp>
+            <p:nvSpPr>
+              <p:cNvPr id="19" name="Ellipszis 18">
+                <a:extLst>
+                  <a:ext uri="{FF2B5EF4-FFF2-40B4-BE49-F238E27FC236}">
+                    <a16:creationId xmlns:a16="http://schemas.microsoft.com/office/drawing/2014/main" id="{9D67B597-B1A2-C3EA-1558-AF6C953794A7}"/>
+                  </a:ext>
+                </a:extLst>
+              </p:cNvPr>
+              <p:cNvSpPr/>
+              <p:nvPr/>
+            </p:nvSpPr>
+            <p:spPr>
+              <a:xfrm>
+                <a:off x="4996489" y="4254958"/>
+                <a:ext cx="216000" cy="216000"/>
+              </a:xfrm>
+              <a:prstGeom prst="ellipse">
+                <a:avLst/>
+              </a:prstGeom>
+              <a:solidFill>
+                <a:schemeClr val="tx1"/>
+              </a:solidFill>
+              <a:ln>
+                <a:noFill/>
+              </a:ln>
+            </p:spPr>
+            <p:style>
+              <a:lnRef idx="2">
+                <a:schemeClr val="accent1">
+                  <a:shade val="50000"/>
+                </a:schemeClr>
+              </a:lnRef>
+              <a:fillRef idx="1">
+                <a:schemeClr val="accent1"/>
+              </a:fillRef>
+              <a:effectRef idx="0">
+                <a:schemeClr val="accent1"/>
+              </a:effectRef>
+              <a:fontRef idx="minor">
+                <a:schemeClr val="lt1"/>
+              </a:fontRef>
+            </p:style>
+            <p:txBody>
+              <a:bodyPr rtlCol="0" anchor="ctr"/>
+              <a:lstStyle/>
+              <a:p>
+                <a:pPr algn="ctr"/>
+                <a:endParaRPr lang="hu-HU"/>
+              </a:p>
+            </p:txBody>
+          </p:sp>
+          <p:sp>
+            <p:nvSpPr>
+              <p:cNvPr id="20" name="Ellipszis 19">
+                <a:extLst>
+                  <a:ext uri="{FF2B5EF4-FFF2-40B4-BE49-F238E27FC236}">
+                    <a16:creationId xmlns:a16="http://schemas.microsoft.com/office/drawing/2014/main" id="{F18B018A-5254-67D3-B354-80DA73597F86}"/>
+                  </a:ext>
+                </a:extLst>
+              </p:cNvPr>
+              <p:cNvSpPr/>
+              <p:nvPr/>
+            </p:nvSpPr>
+            <p:spPr>
+              <a:xfrm>
+                <a:off x="4373289" y="4902957"/>
+                <a:ext cx="216000" cy="216000"/>
+              </a:xfrm>
+              <a:prstGeom prst="ellipse">
+                <a:avLst/>
+              </a:prstGeom>
+              <a:solidFill>
+                <a:schemeClr val="tx1"/>
+              </a:solidFill>
+              <a:ln>
+                <a:noFill/>
+              </a:ln>
+            </p:spPr>
+            <p:style>
+              <a:lnRef idx="2">
+                <a:schemeClr val="accent1">
+                  <a:shade val="50000"/>
+                </a:schemeClr>
+              </a:lnRef>
+              <a:fillRef idx="1">
+                <a:schemeClr val="accent1"/>
+              </a:fillRef>
+              <a:effectRef idx="0">
+                <a:schemeClr val="accent1"/>
+              </a:effectRef>
+              <a:fontRef idx="minor">
+                <a:schemeClr val="lt1"/>
+              </a:fontRef>
+            </p:style>
+            <p:txBody>
+              <a:bodyPr rtlCol="0" anchor="ctr"/>
+              <a:lstStyle/>
+              <a:p>
+                <a:pPr algn="ctr"/>
+                <a:endParaRPr lang="hu-HU"/>
+              </a:p>
+            </p:txBody>
+          </p:sp>
+          <p:sp>
+            <p:nvSpPr>
+              <p:cNvPr id="21" name="Ellipszis 20">
+                <a:extLst>
+                  <a:ext uri="{FF2B5EF4-FFF2-40B4-BE49-F238E27FC236}">
+                    <a16:creationId xmlns:a16="http://schemas.microsoft.com/office/drawing/2014/main" id="{4075F83D-65F3-B54C-119A-B8C8237E1BF4}"/>
+                  </a:ext>
+                </a:extLst>
+              </p:cNvPr>
+              <p:cNvSpPr/>
+              <p:nvPr/>
+            </p:nvSpPr>
+            <p:spPr>
+              <a:xfrm>
+                <a:off x="4684889" y="5658959"/>
+                <a:ext cx="216000" cy="216000"/>
+              </a:xfrm>
+              <a:prstGeom prst="ellipse">
+                <a:avLst/>
+              </a:prstGeom>
+              <a:solidFill>
+                <a:schemeClr val="tx1"/>
+              </a:solidFill>
+              <a:ln>
+                <a:noFill/>
+              </a:ln>
+            </p:spPr>
+            <p:style>
+              <a:lnRef idx="2">
+                <a:schemeClr val="accent1">
+                  <a:shade val="50000"/>
+                </a:schemeClr>
+              </a:lnRef>
+              <a:fillRef idx="1">
+                <a:schemeClr val="accent1"/>
+              </a:fillRef>
+              <a:effectRef idx="0">
+                <a:schemeClr val="accent1"/>
+              </a:effectRef>
+              <a:fontRef idx="minor">
+                <a:schemeClr val="lt1"/>
+              </a:fontRef>
+            </p:style>
+            <p:txBody>
+              <a:bodyPr rtlCol="0" anchor="ctr"/>
+              <a:lstStyle/>
+              <a:p>
+                <a:pPr algn="ctr"/>
+                <a:endParaRPr lang="hu-HU"/>
+              </a:p>
+            </p:txBody>
+          </p:sp>
+          <p:sp>
+            <p:nvSpPr>
+              <p:cNvPr id="22" name="Ellipszis 21">
+                <a:extLst>
+                  <a:ext uri="{FF2B5EF4-FFF2-40B4-BE49-F238E27FC236}">
+                    <a16:creationId xmlns:a16="http://schemas.microsoft.com/office/drawing/2014/main" id="{2870908B-C3F1-645C-A31E-CE18106E57B7}"/>
+                  </a:ext>
+                </a:extLst>
+              </p:cNvPr>
+              <p:cNvSpPr/>
+              <p:nvPr/>
+            </p:nvSpPr>
+            <p:spPr>
+              <a:xfrm>
+                <a:off x="4993789" y="5334959"/>
+                <a:ext cx="216000" cy="216000"/>
+              </a:xfrm>
+              <a:prstGeom prst="ellipse">
+                <a:avLst/>
+              </a:prstGeom>
+              <a:solidFill>
+                <a:schemeClr val="tx1"/>
+              </a:solidFill>
+              <a:ln>
+                <a:noFill/>
+              </a:ln>
+            </p:spPr>
+            <p:style>
+              <a:lnRef idx="2">
+                <a:schemeClr val="accent1">
+                  <a:shade val="50000"/>
+                </a:schemeClr>
+              </a:lnRef>
+              <a:fillRef idx="1">
+                <a:schemeClr val="accent1"/>
+              </a:fillRef>
+              <a:effectRef idx="0">
+                <a:schemeClr val="accent1"/>
+              </a:effectRef>
+              <a:fontRef idx="minor">
+                <a:schemeClr val="lt1"/>
+              </a:fontRef>
+            </p:style>
+            <p:txBody>
+              <a:bodyPr rtlCol="0" anchor="ctr"/>
+              <a:lstStyle/>
+              <a:p>
+                <a:pPr algn="ctr"/>
+                <a:endParaRPr lang="hu-HU"/>
+              </a:p>
+            </p:txBody>
+          </p:sp>
+          <p:sp>
+            <p:nvSpPr>
+              <p:cNvPr id="23" name="Ellipszis 22">
+                <a:extLst>
+                  <a:ext uri="{FF2B5EF4-FFF2-40B4-BE49-F238E27FC236}">
+                    <a16:creationId xmlns:a16="http://schemas.microsoft.com/office/drawing/2014/main" id="{F3B00915-CAFC-44C9-516C-52B5D3A8ABD7}"/>
+                  </a:ext>
+                </a:extLst>
+              </p:cNvPr>
+              <p:cNvSpPr/>
+              <p:nvPr/>
+            </p:nvSpPr>
+            <p:spPr>
+              <a:xfrm>
+                <a:off x="4370589" y="5982958"/>
+                <a:ext cx="216000" cy="216000"/>
+              </a:xfrm>
+              <a:prstGeom prst="ellipse">
+                <a:avLst/>
+              </a:prstGeom>
+              <a:solidFill>
+                <a:schemeClr val="tx1"/>
+              </a:solidFill>
+              <a:ln>
+                <a:noFill/>
+              </a:ln>
+            </p:spPr>
+            <p:style>
+              <a:lnRef idx="2">
+                <a:schemeClr val="accent1">
+                  <a:shade val="50000"/>
+                </a:schemeClr>
+              </a:lnRef>
+              <a:fillRef idx="1">
+                <a:schemeClr val="accent1"/>
+              </a:fillRef>
+              <a:effectRef idx="0">
+                <a:schemeClr val="accent1"/>
+              </a:effectRef>
+              <a:fontRef idx="minor">
+                <a:schemeClr val="lt1"/>
+              </a:fontRef>
+            </p:style>
+            <p:txBody>
+              <a:bodyPr rtlCol="0" anchor="ctr"/>
+              <a:lstStyle/>
+              <a:p>
+                <a:pPr algn="ctr"/>
+                <a:endParaRPr lang="hu-HU"/>
+              </a:p>
+            </p:txBody>
+          </p:sp>
+          <p:sp>
+            <p:nvSpPr>
+              <p:cNvPr id="24" name="Téglalap: lekerekített 23">
+                <a:extLst>
+                  <a:ext uri="{FF2B5EF4-FFF2-40B4-BE49-F238E27FC236}">
+                    <a16:creationId xmlns:a16="http://schemas.microsoft.com/office/drawing/2014/main" id="{7E5B81FB-1A0E-72DB-814B-CE42FE016825}"/>
+                  </a:ext>
+                </a:extLst>
+              </p:cNvPr>
+              <p:cNvSpPr/>
+              <p:nvPr/>
+            </p:nvSpPr>
+            <p:spPr>
+              <a:xfrm>
+                <a:off x="5949865" y="4146958"/>
+                <a:ext cx="1080000" cy="2160000"/>
+              </a:xfrm>
+              <a:prstGeom prst="roundRect">
+                <a:avLst/>
+              </a:prstGeom>
+              <a:solidFill>
+                <a:schemeClr val="bg1"/>
+              </a:solidFill>
+              <a:ln w="68400">
+                <a:solidFill>
+                  <a:schemeClr val="tx1"/>
+                </a:solidFill>
+              </a:ln>
+            </p:spPr>
+            <p:style>
+              <a:lnRef idx="2">
+                <a:schemeClr val="accent1">
+                  <a:shade val="50000"/>
+                </a:schemeClr>
+              </a:lnRef>
+              <a:fillRef idx="1">
+                <a:schemeClr val="accent1"/>
+              </a:fillRef>
+              <a:effectRef idx="0">
+                <a:schemeClr val="accent1"/>
+              </a:effectRef>
+              <a:fontRef idx="minor">
+                <a:schemeClr val="lt1"/>
+              </a:fontRef>
+            </p:style>
+            <p:txBody>
+              <a:bodyPr rtlCol="0" anchor="ctr"/>
+              <a:lstStyle/>
+              <a:p>
+                <a:pPr algn="ctr"/>
+                <a:endParaRPr lang="hu-HU"/>
+              </a:p>
+            </p:txBody>
+          </p:sp>
+          <p:cxnSp>
+            <p:nvCxnSpPr>
+              <p:cNvPr id="25" name="Egyenes összekötő 24">
+                <a:extLst>
+                  <a:ext uri="{FF2B5EF4-FFF2-40B4-BE49-F238E27FC236}">
+                    <a16:creationId xmlns:a16="http://schemas.microsoft.com/office/drawing/2014/main" id="{D06DB28B-C083-13C1-293C-2E55F7F8FF21}"/>
+                  </a:ext>
+                </a:extLst>
+              </p:cNvPr>
+              <p:cNvCxnSpPr/>
+              <p:nvPr/>
+            </p:nvCxnSpPr>
+            <p:spPr>
+              <a:xfrm>
+                <a:off x="6057865" y="5226958"/>
+                <a:ext cx="864000" cy="0"/>
+              </a:xfrm>
+              <a:prstGeom prst="line">
+                <a:avLst/>
+              </a:prstGeom>
+              <a:ln w="36000">
+                <a:solidFill>
+                  <a:schemeClr val="tx1"/>
+                </a:solidFill>
+              </a:ln>
+            </p:spPr>
+            <p:style>
+              <a:lnRef idx="1">
+                <a:schemeClr val="accent1"/>
+              </a:lnRef>
+              <a:fillRef idx="0">
+                <a:schemeClr val="accent1"/>
+              </a:fillRef>
+              <a:effectRef idx="0">
+                <a:schemeClr val="accent1"/>
+              </a:effectRef>
+              <a:fontRef idx="minor">
+                <a:schemeClr val="tx1"/>
+              </a:fontRef>
+            </p:style>
+          </p:cxnSp>
+          <p:sp>
+            <p:nvSpPr>
+              <p:cNvPr id="26" name="Ellipszis 25">
+                <a:extLst>
+                  <a:ext uri="{FF2B5EF4-FFF2-40B4-BE49-F238E27FC236}">
+                    <a16:creationId xmlns:a16="http://schemas.microsoft.com/office/drawing/2014/main" id="{79476FA8-2DDE-0408-52D8-A05D325D35BC}"/>
+                  </a:ext>
+                </a:extLst>
+              </p:cNvPr>
+              <p:cNvSpPr/>
+              <p:nvPr/>
+            </p:nvSpPr>
+            <p:spPr>
+              <a:xfrm>
+                <a:off x="6381865" y="4578958"/>
+                <a:ext cx="216000" cy="216000"/>
+              </a:xfrm>
+              <a:prstGeom prst="ellipse">
+                <a:avLst/>
+              </a:prstGeom>
+              <a:solidFill>
+                <a:schemeClr val="tx1"/>
+              </a:solidFill>
+              <a:ln>
+                <a:noFill/>
+              </a:ln>
+            </p:spPr>
+            <p:style>
+              <a:lnRef idx="2">
+                <a:schemeClr val="accent1">
+                  <a:shade val="50000"/>
+                </a:schemeClr>
+              </a:lnRef>
+              <a:fillRef idx="1">
+                <a:schemeClr val="accent1"/>
+              </a:fillRef>
+              <a:effectRef idx="0">
+                <a:schemeClr val="accent1"/>
+              </a:effectRef>
+              <a:fontRef idx="minor">
+                <a:schemeClr val="lt1"/>
+              </a:fontRef>
+            </p:style>
+            <p:txBody>
+              <a:bodyPr rtlCol="0" anchor="ctr"/>
+              <a:lstStyle/>
+              <a:p>
+                <a:pPr algn="ctr"/>
+                <a:endParaRPr lang="hu-HU"/>
+              </a:p>
+            </p:txBody>
+          </p:sp>
+          <p:sp>
+            <p:nvSpPr>
+              <p:cNvPr id="27" name="Ellipszis 26">
+                <a:extLst>
+                  <a:ext uri="{FF2B5EF4-FFF2-40B4-BE49-F238E27FC236}">
+                    <a16:creationId xmlns:a16="http://schemas.microsoft.com/office/drawing/2014/main" id="{9823EA3D-2E64-4E7C-54AF-E100B6BE3942}"/>
+                  </a:ext>
+                </a:extLst>
+              </p:cNvPr>
+              <p:cNvSpPr/>
+              <p:nvPr/>
+            </p:nvSpPr>
+            <p:spPr>
+              <a:xfrm>
+                <a:off x="6690765" y="4254958"/>
+                <a:ext cx="216000" cy="216000"/>
+              </a:xfrm>
+              <a:prstGeom prst="ellipse">
+                <a:avLst/>
+              </a:prstGeom>
+              <a:solidFill>
+                <a:schemeClr val="tx1"/>
+              </a:solidFill>
+              <a:ln>
+                <a:noFill/>
+              </a:ln>
+            </p:spPr>
+            <p:style>
+              <a:lnRef idx="2">
+                <a:schemeClr val="accent1">
+                  <a:shade val="50000"/>
+                </a:schemeClr>
+              </a:lnRef>
+              <a:fillRef idx="1">
+                <a:schemeClr val="accent1"/>
+              </a:fillRef>
+              <a:effectRef idx="0">
+                <a:schemeClr val="accent1"/>
+              </a:effectRef>
+              <a:fontRef idx="minor">
+                <a:schemeClr val="lt1"/>
+              </a:fontRef>
+            </p:style>
+            <p:txBody>
+              <a:bodyPr rtlCol="0" anchor="ctr"/>
+              <a:lstStyle/>
+              <a:p>
+                <a:pPr algn="ctr"/>
+                <a:endParaRPr lang="hu-HU"/>
+              </a:p>
+            </p:txBody>
+          </p:sp>
+          <p:sp>
+            <p:nvSpPr>
+              <p:cNvPr id="28" name="Ellipszis 27">
+                <a:extLst>
+                  <a:ext uri="{FF2B5EF4-FFF2-40B4-BE49-F238E27FC236}">
+                    <a16:creationId xmlns:a16="http://schemas.microsoft.com/office/drawing/2014/main" id="{193ACBF7-2576-3483-1FCF-2EF9087C7802}"/>
+                  </a:ext>
+                </a:extLst>
+              </p:cNvPr>
+              <p:cNvSpPr/>
+              <p:nvPr/>
+            </p:nvSpPr>
+            <p:spPr>
+              <a:xfrm>
+                <a:off x="6067565" y="4254958"/>
+                <a:ext cx="216000" cy="216000"/>
+              </a:xfrm>
+              <a:prstGeom prst="ellipse">
+                <a:avLst/>
+              </a:prstGeom>
+              <a:solidFill>
+                <a:schemeClr val="tx1"/>
+              </a:solidFill>
+              <a:ln>
+                <a:noFill/>
+              </a:ln>
+            </p:spPr>
+            <p:style>
+              <a:lnRef idx="2">
+                <a:schemeClr val="accent1">
+                  <a:shade val="50000"/>
+                </a:schemeClr>
+              </a:lnRef>
+              <a:fillRef idx="1">
+                <a:schemeClr val="accent1"/>
+              </a:fillRef>
+              <a:effectRef idx="0">
+                <a:schemeClr val="accent1"/>
+              </a:effectRef>
+              <a:fontRef idx="minor">
+                <a:schemeClr val="lt1"/>
+              </a:fontRef>
+            </p:style>
+            <p:txBody>
+              <a:bodyPr rtlCol="0" anchor="ctr"/>
+              <a:lstStyle/>
+              <a:p>
+                <a:pPr algn="ctr"/>
+                <a:endParaRPr lang="hu-HU"/>
+              </a:p>
+            </p:txBody>
+          </p:sp>
+          <p:sp>
+            <p:nvSpPr>
+              <p:cNvPr id="29" name="Ellipszis 28">
+                <a:extLst>
+                  <a:ext uri="{FF2B5EF4-FFF2-40B4-BE49-F238E27FC236}">
+                    <a16:creationId xmlns:a16="http://schemas.microsoft.com/office/drawing/2014/main" id="{F2FFC804-17C9-6FA2-CCE8-BCCA752AC7C5}"/>
+                  </a:ext>
+                </a:extLst>
+              </p:cNvPr>
+              <p:cNvSpPr/>
+              <p:nvPr/>
+            </p:nvSpPr>
+            <p:spPr>
+              <a:xfrm>
+                <a:off x="6690765" y="4902957"/>
+                <a:ext cx="216000" cy="216000"/>
+              </a:xfrm>
+              <a:prstGeom prst="ellipse">
+                <a:avLst/>
+              </a:prstGeom>
+              <a:solidFill>
+                <a:schemeClr val="tx1"/>
+              </a:solidFill>
+              <a:ln>
+                <a:noFill/>
+              </a:ln>
+            </p:spPr>
+            <p:style>
+              <a:lnRef idx="2">
+                <a:schemeClr val="accent1">
+                  <a:shade val="50000"/>
+                </a:schemeClr>
+              </a:lnRef>
+              <a:fillRef idx="1">
+                <a:schemeClr val="accent1"/>
+              </a:fillRef>
+              <a:effectRef idx="0">
+                <a:schemeClr val="accent1"/>
+              </a:effectRef>
+              <a:fontRef idx="minor">
+                <a:schemeClr val="lt1"/>
+              </a:fontRef>
+            </p:style>
+            <p:txBody>
+              <a:bodyPr rtlCol="0" anchor="ctr"/>
+              <a:lstStyle/>
+              <a:p>
+                <a:pPr algn="ctr"/>
+                <a:endParaRPr lang="hu-HU"/>
+              </a:p>
+            </p:txBody>
+          </p:sp>
+          <p:sp>
+            <p:nvSpPr>
+              <p:cNvPr id="30" name="Ellipszis 29">
+                <a:extLst>
+                  <a:ext uri="{FF2B5EF4-FFF2-40B4-BE49-F238E27FC236}">
+                    <a16:creationId xmlns:a16="http://schemas.microsoft.com/office/drawing/2014/main" id="{689F5A15-9E3F-4FB0-7900-120D94ED53CD}"/>
+                  </a:ext>
+                </a:extLst>
+              </p:cNvPr>
+              <p:cNvSpPr/>
+              <p:nvPr/>
+            </p:nvSpPr>
+            <p:spPr>
+              <a:xfrm>
+                <a:off x="6067565" y="4902957"/>
+                <a:ext cx="216000" cy="216000"/>
+              </a:xfrm>
+              <a:prstGeom prst="ellipse">
+                <a:avLst/>
+              </a:prstGeom>
+              <a:solidFill>
+                <a:schemeClr val="tx1"/>
+              </a:solidFill>
+              <a:ln>
+                <a:noFill/>
+              </a:ln>
+            </p:spPr>
+            <p:style>
+              <a:lnRef idx="2">
+                <a:schemeClr val="accent1">
+                  <a:shade val="50000"/>
+                </a:schemeClr>
+              </a:lnRef>
+              <a:fillRef idx="1">
+                <a:schemeClr val="accent1"/>
+              </a:fillRef>
+              <a:effectRef idx="0">
+                <a:schemeClr val="accent1"/>
+              </a:effectRef>
+              <a:fontRef idx="minor">
+                <a:schemeClr val="lt1"/>
+              </a:fontRef>
+            </p:style>
+            <p:txBody>
+              <a:bodyPr rtlCol="0" anchor="ctr"/>
+              <a:lstStyle/>
+              <a:p>
+                <a:pPr algn="ctr"/>
+                <a:endParaRPr lang="hu-HU"/>
+              </a:p>
+            </p:txBody>
+          </p:sp>
+          <p:sp>
+            <p:nvSpPr>
+              <p:cNvPr id="31" name="Ellipszis 30">
+                <a:extLst>
+                  <a:ext uri="{FF2B5EF4-FFF2-40B4-BE49-F238E27FC236}">
+                    <a16:creationId xmlns:a16="http://schemas.microsoft.com/office/drawing/2014/main" id="{5E51A10A-6631-F372-5384-BE3523034EE2}"/>
+                  </a:ext>
+                </a:extLst>
+              </p:cNvPr>
+              <p:cNvSpPr/>
+              <p:nvPr/>
+            </p:nvSpPr>
+            <p:spPr>
+              <a:xfrm>
+                <a:off x="6688065" y="5334959"/>
+                <a:ext cx="216000" cy="216000"/>
+              </a:xfrm>
+              <a:prstGeom prst="ellipse">
+                <a:avLst/>
+              </a:prstGeom>
+              <a:solidFill>
+                <a:schemeClr val="tx1"/>
+              </a:solidFill>
+              <a:ln>
+                <a:noFill/>
+              </a:ln>
+            </p:spPr>
+            <p:style>
+              <a:lnRef idx="2">
+                <a:schemeClr val="accent1">
+                  <a:shade val="50000"/>
+                </a:schemeClr>
+              </a:lnRef>
+              <a:fillRef idx="1">
+                <a:schemeClr val="accent1"/>
+              </a:fillRef>
+              <a:effectRef idx="0">
+                <a:schemeClr val="accent1"/>
+              </a:effectRef>
+              <a:fontRef idx="minor">
+                <a:schemeClr val="lt1"/>
+              </a:fontRef>
+            </p:style>
+            <p:txBody>
+              <a:bodyPr rtlCol="0" anchor="ctr"/>
+              <a:lstStyle/>
+              <a:p>
+                <a:pPr algn="ctr"/>
+                <a:endParaRPr lang="hu-HU"/>
+              </a:p>
+            </p:txBody>
+          </p:sp>
+          <p:sp>
+            <p:nvSpPr>
+              <p:cNvPr id="32" name="Ellipszis 31">
+                <a:extLst>
+                  <a:ext uri="{FF2B5EF4-FFF2-40B4-BE49-F238E27FC236}">
+                    <a16:creationId xmlns:a16="http://schemas.microsoft.com/office/drawing/2014/main" id="{4F0E94DB-73DF-E2FD-61EB-A7217E883B01}"/>
+                  </a:ext>
+                </a:extLst>
+              </p:cNvPr>
+              <p:cNvSpPr/>
+              <p:nvPr/>
+            </p:nvSpPr>
+            <p:spPr>
+              <a:xfrm>
+                <a:off x="6064865" y="5982958"/>
+                <a:ext cx="216000" cy="216000"/>
+              </a:xfrm>
+              <a:prstGeom prst="ellipse">
+                <a:avLst/>
+              </a:prstGeom>
+              <a:solidFill>
+                <a:schemeClr val="tx1"/>
+              </a:solidFill>
+              <a:ln>
+                <a:noFill/>
+              </a:ln>
+            </p:spPr>
+            <p:style>
+              <a:lnRef idx="2">
+                <a:schemeClr val="accent1">
+                  <a:shade val="50000"/>
+                </a:schemeClr>
+              </a:lnRef>
+              <a:fillRef idx="1">
+                <a:schemeClr val="accent1"/>
+              </a:fillRef>
+              <a:effectRef idx="0">
+                <a:schemeClr val="accent1"/>
+              </a:effectRef>
+              <a:fontRef idx="minor">
+                <a:schemeClr val="lt1"/>
+              </a:fontRef>
+            </p:style>
+            <p:txBody>
+              <a:bodyPr rtlCol="0" anchor="ctr"/>
+              <a:lstStyle/>
+              <a:p>
+                <a:pPr algn="ctr"/>
+                <a:endParaRPr lang="hu-HU"/>
+              </a:p>
+            </p:txBody>
+          </p:sp>
+          <p:sp>
+            <p:nvSpPr>
+              <p:cNvPr id="33" name="Téglalap: lekerekített 32">
+                <a:extLst>
+                  <a:ext uri="{FF2B5EF4-FFF2-40B4-BE49-F238E27FC236}">
+                    <a16:creationId xmlns:a16="http://schemas.microsoft.com/office/drawing/2014/main" id="{6D96E242-824A-DCD0-109A-8062C4E84FC9}"/>
+                  </a:ext>
+                </a:extLst>
+              </p:cNvPr>
+              <p:cNvSpPr/>
+              <p:nvPr/>
+            </p:nvSpPr>
+            <p:spPr>
+              <a:xfrm>
+                <a:off x="7644140" y="4146958"/>
+                <a:ext cx="1080000" cy="2160000"/>
+              </a:xfrm>
+              <a:prstGeom prst="roundRect">
+                <a:avLst/>
+              </a:prstGeom>
+              <a:solidFill>
+                <a:schemeClr val="bg1"/>
+              </a:solidFill>
+              <a:ln w="68400">
+                <a:solidFill>
+                  <a:schemeClr val="tx1"/>
+                </a:solidFill>
+              </a:ln>
+            </p:spPr>
+            <p:style>
+              <a:lnRef idx="2">
+                <a:schemeClr val="accent1">
+                  <a:shade val="50000"/>
+                </a:schemeClr>
+              </a:lnRef>
+              <a:fillRef idx="1">
+                <a:schemeClr val="accent1"/>
+              </a:fillRef>
+              <a:effectRef idx="0">
+                <a:schemeClr val="accent1"/>
+              </a:effectRef>
+              <a:fontRef idx="minor">
+                <a:schemeClr val="lt1"/>
+              </a:fontRef>
+            </p:style>
+            <p:txBody>
+              <a:bodyPr rtlCol="0" anchor="ctr"/>
+              <a:lstStyle/>
+              <a:p>
+                <a:pPr algn="ctr"/>
+                <a:endParaRPr lang="hu-HU" dirty="0"/>
+              </a:p>
+            </p:txBody>
+          </p:sp>
+          <p:cxnSp>
+            <p:nvCxnSpPr>
+              <p:cNvPr id="34" name="Egyenes összekötő 33">
+                <a:extLst>
+                  <a:ext uri="{FF2B5EF4-FFF2-40B4-BE49-F238E27FC236}">
+                    <a16:creationId xmlns:a16="http://schemas.microsoft.com/office/drawing/2014/main" id="{2F22A337-3B3A-1D06-48AD-C8BEA3642C32}"/>
+                  </a:ext>
+                </a:extLst>
+              </p:cNvPr>
+              <p:cNvCxnSpPr/>
+              <p:nvPr/>
+            </p:nvCxnSpPr>
+            <p:spPr>
+              <a:xfrm>
+                <a:off x="7752140" y="5226958"/>
+                <a:ext cx="864000" cy="0"/>
+              </a:xfrm>
+              <a:prstGeom prst="line">
+                <a:avLst/>
+              </a:prstGeom>
+              <a:ln w="36000">
+                <a:solidFill>
+                  <a:schemeClr val="tx1"/>
+                </a:solidFill>
+              </a:ln>
+            </p:spPr>
+            <p:style>
+              <a:lnRef idx="1">
+                <a:schemeClr val="accent1"/>
+              </a:lnRef>
+              <a:fillRef idx="0">
+                <a:schemeClr val="accent1"/>
+              </a:fillRef>
+              <a:effectRef idx="0">
+                <a:schemeClr val="accent1"/>
+              </a:effectRef>
+              <a:fontRef idx="minor">
+                <a:schemeClr val="tx1"/>
+              </a:fontRef>
+            </p:style>
+          </p:cxnSp>
+          <p:sp>
+            <p:nvSpPr>
+              <p:cNvPr id="35" name="Ellipszis 34">
+                <a:extLst>
+                  <a:ext uri="{FF2B5EF4-FFF2-40B4-BE49-F238E27FC236}">
+                    <a16:creationId xmlns:a16="http://schemas.microsoft.com/office/drawing/2014/main" id="{19A9710A-FBAC-DBB5-DE83-AF2473BE4066}"/>
+                  </a:ext>
+                </a:extLst>
+              </p:cNvPr>
+              <p:cNvSpPr/>
+              <p:nvPr/>
+            </p:nvSpPr>
+            <p:spPr>
+              <a:xfrm>
+                <a:off x="8387740" y="4578958"/>
+                <a:ext cx="216000" cy="216000"/>
+              </a:xfrm>
+              <a:prstGeom prst="ellipse">
+                <a:avLst/>
+              </a:prstGeom>
+              <a:solidFill>
+                <a:schemeClr val="tx1"/>
+              </a:solidFill>
+              <a:ln>
+                <a:noFill/>
+              </a:ln>
+            </p:spPr>
+            <p:style>
+              <a:lnRef idx="2">
+                <a:schemeClr val="accent1">
+                  <a:shade val="50000"/>
+                </a:schemeClr>
+              </a:lnRef>
+              <a:fillRef idx="1">
+                <a:schemeClr val="accent1"/>
+              </a:fillRef>
+              <a:effectRef idx="0">
+                <a:schemeClr val="accent1"/>
+              </a:effectRef>
+              <a:fontRef idx="minor">
+                <a:schemeClr val="lt1"/>
+              </a:fontRef>
+            </p:style>
+            <p:txBody>
+              <a:bodyPr rtlCol="0" anchor="ctr"/>
+              <a:lstStyle/>
+              <a:p>
+                <a:pPr algn="ctr"/>
+                <a:endParaRPr lang="hu-HU"/>
+              </a:p>
+            </p:txBody>
+          </p:sp>
+          <p:sp>
+            <p:nvSpPr>
+              <p:cNvPr id="36" name="Ellipszis 35">
+                <a:extLst>
+                  <a:ext uri="{FF2B5EF4-FFF2-40B4-BE49-F238E27FC236}">
+                    <a16:creationId xmlns:a16="http://schemas.microsoft.com/office/drawing/2014/main" id="{8B16AABD-0546-DC17-09D8-FE1E5ABC7778}"/>
+                  </a:ext>
+                </a:extLst>
+              </p:cNvPr>
+              <p:cNvSpPr/>
+              <p:nvPr/>
+            </p:nvSpPr>
+            <p:spPr>
+              <a:xfrm>
+                <a:off x="7764540" y="4578958"/>
+                <a:ext cx="216000" cy="216000"/>
+              </a:xfrm>
+              <a:prstGeom prst="ellipse">
+                <a:avLst/>
+              </a:prstGeom>
+              <a:solidFill>
+                <a:schemeClr val="tx1"/>
+              </a:solidFill>
+              <a:ln>
+                <a:noFill/>
+              </a:ln>
+            </p:spPr>
+            <p:style>
+              <a:lnRef idx="2">
+                <a:schemeClr val="accent1">
+                  <a:shade val="50000"/>
+                </a:schemeClr>
+              </a:lnRef>
+              <a:fillRef idx="1">
+                <a:schemeClr val="accent1"/>
+              </a:fillRef>
+              <a:effectRef idx="0">
+                <a:schemeClr val="accent1"/>
+              </a:effectRef>
+              <a:fontRef idx="minor">
+                <a:schemeClr val="lt1"/>
+              </a:fontRef>
+            </p:style>
+            <p:txBody>
+              <a:bodyPr rtlCol="0" anchor="ctr"/>
+              <a:lstStyle/>
+              <a:p>
+                <a:pPr algn="ctr"/>
+                <a:endParaRPr lang="hu-HU"/>
+              </a:p>
+            </p:txBody>
+          </p:sp>
+          <p:sp>
+            <p:nvSpPr>
+              <p:cNvPr id="37" name="Ellipszis 36">
+                <a:extLst>
+                  <a:ext uri="{FF2B5EF4-FFF2-40B4-BE49-F238E27FC236}">
+                    <a16:creationId xmlns:a16="http://schemas.microsoft.com/office/drawing/2014/main" id="{44446571-C44C-D62B-22F9-367222868FB2}"/>
+                  </a:ext>
+                </a:extLst>
+              </p:cNvPr>
+              <p:cNvSpPr/>
+              <p:nvPr/>
+            </p:nvSpPr>
+            <p:spPr>
+              <a:xfrm>
+                <a:off x="8385040" y="4254958"/>
+                <a:ext cx="216000" cy="216000"/>
+              </a:xfrm>
+              <a:prstGeom prst="ellipse">
+                <a:avLst/>
+              </a:prstGeom>
+              <a:solidFill>
+                <a:schemeClr val="tx1"/>
+              </a:solidFill>
+              <a:ln>
+                <a:noFill/>
+              </a:ln>
+            </p:spPr>
+            <p:style>
+              <a:lnRef idx="2">
+                <a:schemeClr val="accent1">
+                  <a:shade val="50000"/>
+                </a:schemeClr>
+              </a:lnRef>
+              <a:fillRef idx="1">
+                <a:schemeClr val="accent1"/>
+              </a:fillRef>
+              <a:effectRef idx="0">
+                <a:schemeClr val="accent1"/>
+              </a:effectRef>
+              <a:fontRef idx="minor">
+                <a:schemeClr val="lt1"/>
+              </a:fontRef>
+            </p:style>
+            <p:txBody>
+              <a:bodyPr rtlCol="0" anchor="ctr"/>
+              <a:lstStyle/>
+              <a:p>
+                <a:pPr algn="ctr"/>
+                <a:endParaRPr lang="hu-HU"/>
+              </a:p>
+            </p:txBody>
+          </p:sp>
+          <p:sp>
+            <p:nvSpPr>
+              <p:cNvPr id="38" name="Ellipszis 37">
+                <a:extLst>
+                  <a:ext uri="{FF2B5EF4-FFF2-40B4-BE49-F238E27FC236}">
+                    <a16:creationId xmlns:a16="http://schemas.microsoft.com/office/drawing/2014/main" id="{0C66947E-3500-CFEF-8082-8ED4961C18B1}"/>
+                  </a:ext>
+                </a:extLst>
+              </p:cNvPr>
+              <p:cNvSpPr/>
+              <p:nvPr/>
+            </p:nvSpPr>
+            <p:spPr>
+              <a:xfrm>
+                <a:off x="7761840" y="4254958"/>
+                <a:ext cx="216000" cy="216000"/>
+              </a:xfrm>
+              <a:prstGeom prst="ellipse">
+                <a:avLst/>
+              </a:prstGeom>
+              <a:solidFill>
+                <a:schemeClr val="tx1"/>
+              </a:solidFill>
+              <a:ln>
+                <a:noFill/>
+              </a:ln>
+            </p:spPr>
+            <p:style>
+              <a:lnRef idx="2">
+                <a:schemeClr val="accent1">
+                  <a:shade val="50000"/>
+                </a:schemeClr>
+              </a:lnRef>
+              <a:fillRef idx="1">
+                <a:schemeClr val="accent1"/>
+              </a:fillRef>
+              <a:effectRef idx="0">
+                <a:schemeClr val="accent1"/>
+              </a:effectRef>
+              <a:fontRef idx="minor">
+                <a:schemeClr val="lt1"/>
+              </a:fontRef>
+            </p:style>
+            <p:txBody>
+              <a:bodyPr rtlCol="0" anchor="ctr"/>
+              <a:lstStyle/>
+              <a:p>
+                <a:pPr algn="ctr"/>
+                <a:endParaRPr lang="hu-HU"/>
+              </a:p>
+            </p:txBody>
+          </p:sp>
+          <p:sp>
+            <p:nvSpPr>
+              <p:cNvPr id="39" name="Ellipszis 38">
+                <a:extLst>
+                  <a:ext uri="{FF2B5EF4-FFF2-40B4-BE49-F238E27FC236}">
+                    <a16:creationId xmlns:a16="http://schemas.microsoft.com/office/drawing/2014/main" id="{58C2666D-1C32-BD37-D1A2-F3CB0DEE5D02}"/>
+                  </a:ext>
+                </a:extLst>
+              </p:cNvPr>
+              <p:cNvSpPr/>
+              <p:nvPr/>
+            </p:nvSpPr>
+            <p:spPr>
+              <a:xfrm>
+                <a:off x="8385040" y="4902957"/>
+                <a:ext cx="216000" cy="216000"/>
+              </a:xfrm>
+              <a:prstGeom prst="ellipse">
+                <a:avLst/>
+              </a:prstGeom>
+              <a:solidFill>
+                <a:schemeClr val="tx1"/>
+              </a:solidFill>
+              <a:ln>
+                <a:noFill/>
+              </a:ln>
+            </p:spPr>
+            <p:style>
+              <a:lnRef idx="2">
+                <a:schemeClr val="accent1">
+                  <a:shade val="50000"/>
+                </a:schemeClr>
+              </a:lnRef>
+              <a:fillRef idx="1">
+                <a:schemeClr val="accent1"/>
+              </a:fillRef>
+              <a:effectRef idx="0">
+                <a:schemeClr val="accent1"/>
+              </a:effectRef>
+              <a:fontRef idx="minor">
+                <a:schemeClr val="lt1"/>
+              </a:fontRef>
+            </p:style>
+            <p:txBody>
+              <a:bodyPr rtlCol="0" anchor="ctr"/>
+              <a:lstStyle/>
+              <a:p>
+                <a:pPr algn="ctr"/>
+                <a:endParaRPr lang="hu-HU"/>
+              </a:p>
+            </p:txBody>
+          </p:sp>
+          <p:sp>
+            <p:nvSpPr>
+              <p:cNvPr id="40" name="Ellipszis 39">
+                <a:extLst>
+                  <a:ext uri="{FF2B5EF4-FFF2-40B4-BE49-F238E27FC236}">
+                    <a16:creationId xmlns:a16="http://schemas.microsoft.com/office/drawing/2014/main" id="{7299DD3C-5FAF-7091-1169-52E0ED769204}"/>
+                  </a:ext>
+                </a:extLst>
+              </p:cNvPr>
+              <p:cNvSpPr/>
+              <p:nvPr/>
+            </p:nvSpPr>
+            <p:spPr>
+              <a:xfrm>
+                <a:off x="7761840" y="4902957"/>
+                <a:ext cx="216000" cy="216000"/>
+              </a:xfrm>
+              <a:prstGeom prst="ellipse">
+                <a:avLst/>
+              </a:prstGeom>
+              <a:solidFill>
+                <a:schemeClr val="tx1"/>
+              </a:solidFill>
+              <a:ln>
+                <a:noFill/>
+              </a:ln>
+            </p:spPr>
+            <p:style>
+              <a:lnRef idx="2">
+                <a:schemeClr val="accent1">
+                  <a:shade val="50000"/>
+                </a:schemeClr>
+              </a:lnRef>
+              <a:fillRef idx="1">
+                <a:schemeClr val="accent1"/>
+              </a:fillRef>
+              <a:effectRef idx="0">
+                <a:schemeClr val="accent1"/>
+              </a:effectRef>
+              <a:fontRef idx="minor">
+                <a:schemeClr val="lt1"/>
+              </a:fontRef>
+            </p:style>
+            <p:txBody>
+              <a:bodyPr rtlCol="0" anchor="ctr"/>
+              <a:lstStyle/>
+              <a:p>
+                <a:pPr algn="ctr"/>
+                <a:endParaRPr lang="hu-HU"/>
+              </a:p>
+            </p:txBody>
+          </p:sp>
+          <p:sp>
+            <p:nvSpPr>
+              <p:cNvPr id="41" name="Szövegdoboz 40">
+                <a:extLst>
+                  <a:ext uri="{FF2B5EF4-FFF2-40B4-BE49-F238E27FC236}">
+                    <a16:creationId xmlns:a16="http://schemas.microsoft.com/office/drawing/2014/main" id="{4C966559-7883-64D0-B5FC-C0E96B6EF872}"/>
+                  </a:ext>
+                </a:extLst>
+              </p:cNvPr>
+              <p:cNvSpPr txBox="1"/>
+              <p:nvPr/>
+            </p:nvSpPr>
+            <p:spPr>
+              <a:xfrm>
+                <a:off x="7833076" y="5037374"/>
+                <a:ext cx="707245" cy="1446550"/>
+              </a:xfrm>
+              <a:prstGeom prst="rect">
+                <a:avLst/>
+              </a:prstGeom>
+              <a:noFill/>
+            </p:spPr>
+            <p:txBody>
+              <a:bodyPr wrap="none" rtlCol="0" anchor="ctr">
+                <a:spAutoFit/>
+              </a:bodyPr>
+              <a:lstStyle/>
+              <a:p>
+                <a:pPr algn="ctr"/>
+                <a:r>
+                  <a:rPr lang="hu-HU" sz="8800" b="1" dirty="0">
+                    <a:solidFill>
+                      <a:srgbClr val="F7941D"/>
+                    </a:solidFill>
+                  </a:rPr>
+                  <a:t>?</a:t>
+                </a:r>
+              </a:p>
+            </p:txBody>
+          </p:sp>
+        </p:grpSp>
+      </p:grpSp>
     </p:spTree>
     <p:extLst>
       <p:ext uri="{BB962C8B-B14F-4D97-AF65-F5344CB8AC3E}">
         <p14:creationId xmlns:p14="http://schemas.microsoft.com/office/powerpoint/2010/main" val="4107001953"/>
-      </p:ext>
-    </p:extLst>
-  </p:cSld>
-  <p:clrMapOvr>
-    <a:masterClrMapping/>
-  </p:clrMapOvr>
-</p:sld>
-</file>
-
-<file path=ppt/slides/slide2.xml><?xml version="1.0" encoding="utf-8"?>
-<p:sld xmlns:a="http://schemas.openxmlformats.org/drawingml/2006/main" xmlns:r="http://schemas.openxmlformats.org/officeDocument/2006/relationships" xmlns:p="http://schemas.openxmlformats.org/presentationml/2006/main">
-  <p:cSld>
-    <p:spTree>
-      <p:nvGrpSpPr>
-        <p:cNvPr id="1" name=""/>
-        <p:cNvGrpSpPr/>
-        <p:nvPr/>
-      </p:nvGrpSpPr>
-      <p:grpSpPr>
-        <a:xfrm>
-          <a:off x="0" y="0"/>
-          <a:ext cx="0" cy="0"/>
-          <a:chOff x="0" y="0"/>
-          <a:chExt cx="0" cy="0"/>
-        </a:xfrm>
-      </p:grpSpPr>
-      <p:sp>
-        <p:nvSpPr>
-          <p:cNvPr id="7" name="Téglalap: lekerekített 6">
-            <a:extLst>
-              <a:ext uri="{FF2B5EF4-FFF2-40B4-BE49-F238E27FC236}">
-                <a16:creationId xmlns:a16="http://schemas.microsoft.com/office/drawing/2014/main" id="{3BCBB61B-24F6-42F0-978D-1F1B4926061B}"/>
-              </a:ext>
-            </a:extLst>
-          </p:cNvPr>
-          <p:cNvSpPr/>
-          <p:nvPr/>
-        </p:nvSpPr>
-        <p:spPr>
-          <a:xfrm>
-            <a:off x="2921000" y="1320800"/>
-            <a:ext cx="1080000" cy="2160000"/>
-          </a:xfrm>
-          <a:prstGeom prst="roundRect">
-            <a:avLst/>
-          </a:prstGeom>
-          <a:solidFill>
-            <a:schemeClr val="bg1"/>
-          </a:solidFill>
-          <a:ln w="68400">
-            <a:solidFill>
-              <a:schemeClr val="tx1"/>
-            </a:solidFill>
-          </a:ln>
-        </p:spPr>
-        <p:style>
-          <a:lnRef idx="2">
-            <a:schemeClr val="accent1">
-              <a:shade val="50000"/>
-            </a:schemeClr>
-          </a:lnRef>
-          <a:fillRef idx="1">
-            <a:schemeClr val="accent1"/>
-          </a:fillRef>
-          <a:effectRef idx="0">
-            <a:schemeClr val="accent1"/>
-          </a:effectRef>
-          <a:fontRef idx="minor">
-            <a:schemeClr val="lt1"/>
-          </a:fontRef>
-        </p:style>
-        <p:txBody>
-          <a:bodyPr rtlCol="0" anchor="ctr"/>
-          <a:lstStyle/>
-          <a:p>
-            <a:pPr algn="ctr"/>
-            <a:endParaRPr lang="hu-HU"/>
-          </a:p>
-        </p:txBody>
-      </p:sp>
-      <p:cxnSp>
-        <p:nvCxnSpPr>
-          <p:cNvPr id="9" name="Egyenes összekötő 8">
-            <a:extLst>
-              <a:ext uri="{FF2B5EF4-FFF2-40B4-BE49-F238E27FC236}">
-                <a16:creationId xmlns:a16="http://schemas.microsoft.com/office/drawing/2014/main" id="{8AB17962-721E-4E48-A03D-6EDC78856B7E}"/>
-              </a:ext>
-            </a:extLst>
-          </p:cNvPr>
-          <p:cNvCxnSpPr/>
-          <p:nvPr/>
-        </p:nvCxnSpPr>
-        <p:spPr>
-          <a:xfrm>
-            <a:off x="3029000" y="2400800"/>
-            <a:ext cx="864000" cy="0"/>
-          </a:xfrm>
-          <a:prstGeom prst="line">
-            <a:avLst/>
-          </a:prstGeom>
-          <a:ln w="36000">
-            <a:solidFill>
-              <a:schemeClr val="tx1"/>
-            </a:solidFill>
-          </a:ln>
-        </p:spPr>
-        <p:style>
-          <a:lnRef idx="1">
-            <a:schemeClr val="accent1"/>
-          </a:lnRef>
-          <a:fillRef idx="0">
-            <a:schemeClr val="accent1"/>
-          </a:fillRef>
-          <a:effectRef idx="0">
-            <a:schemeClr val="accent1"/>
-          </a:effectRef>
-          <a:fontRef idx="minor">
-            <a:schemeClr val="tx1"/>
-          </a:fontRef>
-        </p:style>
-      </p:cxnSp>
-      <p:sp>
-        <p:nvSpPr>
-          <p:cNvPr id="10" name="Ellipszis 9">
-            <a:extLst>
-              <a:ext uri="{FF2B5EF4-FFF2-40B4-BE49-F238E27FC236}">
-                <a16:creationId xmlns:a16="http://schemas.microsoft.com/office/drawing/2014/main" id="{B3CD0868-A8E0-47AB-BA4F-C2FA61153CEC}"/>
-              </a:ext>
-            </a:extLst>
-          </p:cNvPr>
-          <p:cNvSpPr/>
-          <p:nvPr/>
-        </p:nvSpPr>
-        <p:spPr>
-          <a:xfrm>
-            <a:off x="3353000" y="1752800"/>
-            <a:ext cx="216000" cy="216000"/>
-          </a:xfrm>
-          <a:prstGeom prst="ellipse">
-            <a:avLst/>
-          </a:prstGeom>
-          <a:solidFill>
-            <a:schemeClr val="tx1"/>
-          </a:solidFill>
-          <a:ln>
-            <a:noFill/>
-          </a:ln>
-        </p:spPr>
-        <p:style>
-          <a:lnRef idx="2">
-            <a:schemeClr val="accent1">
-              <a:shade val="50000"/>
-            </a:schemeClr>
-          </a:lnRef>
-          <a:fillRef idx="1">
-            <a:schemeClr val="accent1"/>
-          </a:fillRef>
-          <a:effectRef idx="0">
-            <a:schemeClr val="accent1"/>
-          </a:effectRef>
-          <a:fontRef idx="minor">
-            <a:schemeClr val="lt1"/>
-          </a:fontRef>
-        </p:style>
-        <p:txBody>
-          <a:bodyPr rtlCol="0" anchor="ctr"/>
-          <a:lstStyle/>
-          <a:p>
-            <a:pPr algn="ctr"/>
-            <a:endParaRPr lang="hu-HU"/>
-          </a:p>
-        </p:txBody>
-      </p:sp>
-      <p:sp>
-        <p:nvSpPr>
-          <p:cNvPr id="11" name="Ellipszis 10">
-            <a:extLst>
-              <a:ext uri="{FF2B5EF4-FFF2-40B4-BE49-F238E27FC236}">
-                <a16:creationId xmlns:a16="http://schemas.microsoft.com/office/drawing/2014/main" id="{7B2BF705-1329-4E64-8E80-E290BC483875}"/>
-              </a:ext>
-            </a:extLst>
-          </p:cNvPr>
-          <p:cNvSpPr/>
-          <p:nvPr/>
-        </p:nvSpPr>
-        <p:spPr>
-          <a:xfrm>
-            <a:off x="3664600" y="1752800"/>
-            <a:ext cx="216000" cy="216000"/>
-          </a:xfrm>
-          <a:prstGeom prst="ellipse">
-            <a:avLst/>
-          </a:prstGeom>
-          <a:solidFill>
-            <a:schemeClr val="tx1"/>
-          </a:solidFill>
-          <a:ln>
-            <a:noFill/>
-          </a:ln>
-        </p:spPr>
-        <p:style>
-          <a:lnRef idx="2">
-            <a:schemeClr val="accent1">
-              <a:shade val="50000"/>
-            </a:schemeClr>
-          </a:lnRef>
-          <a:fillRef idx="1">
-            <a:schemeClr val="accent1"/>
-          </a:fillRef>
-          <a:effectRef idx="0">
-            <a:schemeClr val="accent1"/>
-          </a:effectRef>
-          <a:fontRef idx="minor">
-            <a:schemeClr val="lt1"/>
-          </a:fontRef>
-        </p:style>
-        <p:txBody>
-          <a:bodyPr rtlCol="0" anchor="ctr"/>
-          <a:lstStyle/>
-          <a:p>
-            <a:pPr algn="ctr"/>
-            <a:endParaRPr lang="hu-HU"/>
-          </a:p>
-        </p:txBody>
-      </p:sp>
-      <p:sp>
-        <p:nvSpPr>
-          <p:cNvPr id="12" name="Ellipszis 11">
-            <a:extLst>
-              <a:ext uri="{FF2B5EF4-FFF2-40B4-BE49-F238E27FC236}">
-                <a16:creationId xmlns:a16="http://schemas.microsoft.com/office/drawing/2014/main" id="{64C1F4F7-FE26-4D35-86F5-C7980EF92E10}"/>
-              </a:ext>
-            </a:extLst>
-          </p:cNvPr>
-          <p:cNvSpPr/>
-          <p:nvPr/>
-        </p:nvSpPr>
-        <p:spPr>
-          <a:xfrm>
-            <a:off x="3041400" y="1752800"/>
-            <a:ext cx="216000" cy="216000"/>
-          </a:xfrm>
-          <a:prstGeom prst="ellipse">
-            <a:avLst/>
-          </a:prstGeom>
-          <a:solidFill>
-            <a:schemeClr val="tx1"/>
-          </a:solidFill>
-          <a:ln>
-            <a:noFill/>
-          </a:ln>
-        </p:spPr>
-        <p:style>
-          <a:lnRef idx="2">
-            <a:schemeClr val="accent1">
-              <a:shade val="50000"/>
-            </a:schemeClr>
-          </a:lnRef>
-          <a:fillRef idx="1">
-            <a:schemeClr val="accent1"/>
-          </a:fillRef>
-          <a:effectRef idx="0">
-            <a:schemeClr val="accent1"/>
-          </a:effectRef>
-          <a:fontRef idx="minor">
-            <a:schemeClr val="lt1"/>
-          </a:fontRef>
-        </p:style>
-        <p:txBody>
-          <a:bodyPr rtlCol="0" anchor="ctr"/>
-          <a:lstStyle/>
-          <a:p>
-            <a:pPr algn="ctr"/>
-            <a:endParaRPr lang="hu-HU"/>
-          </a:p>
-        </p:txBody>
-      </p:sp>
-      <p:sp>
-        <p:nvSpPr>
-          <p:cNvPr id="13" name="Ellipszis 12">
-            <a:extLst>
-              <a:ext uri="{FF2B5EF4-FFF2-40B4-BE49-F238E27FC236}">
-                <a16:creationId xmlns:a16="http://schemas.microsoft.com/office/drawing/2014/main" id="{32AB0C7C-B06D-4840-B891-50E9E9673B21}"/>
-              </a:ext>
-            </a:extLst>
-          </p:cNvPr>
-          <p:cNvSpPr/>
-          <p:nvPr/>
-        </p:nvSpPr>
-        <p:spPr>
-          <a:xfrm>
-            <a:off x="3350300" y="1428800"/>
-            <a:ext cx="216000" cy="216000"/>
-          </a:xfrm>
-          <a:prstGeom prst="ellipse">
-            <a:avLst/>
-          </a:prstGeom>
-          <a:solidFill>
-            <a:schemeClr val="tx1"/>
-          </a:solidFill>
-          <a:ln>
-            <a:noFill/>
-          </a:ln>
-        </p:spPr>
-        <p:style>
-          <a:lnRef idx="2">
-            <a:schemeClr val="accent1">
-              <a:shade val="50000"/>
-            </a:schemeClr>
-          </a:lnRef>
-          <a:fillRef idx="1">
-            <a:schemeClr val="accent1"/>
-          </a:fillRef>
-          <a:effectRef idx="0">
-            <a:schemeClr val="accent1"/>
-          </a:effectRef>
-          <a:fontRef idx="minor">
-            <a:schemeClr val="lt1"/>
-          </a:fontRef>
-        </p:style>
-        <p:txBody>
-          <a:bodyPr rtlCol="0" anchor="ctr"/>
-          <a:lstStyle/>
-          <a:p>
-            <a:pPr algn="ctr"/>
-            <a:endParaRPr lang="hu-HU"/>
-          </a:p>
-        </p:txBody>
-      </p:sp>
-      <p:sp>
-        <p:nvSpPr>
-          <p:cNvPr id="14" name="Ellipszis 13">
-            <a:extLst>
-              <a:ext uri="{FF2B5EF4-FFF2-40B4-BE49-F238E27FC236}">
-                <a16:creationId xmlns:a16="http://schemas.microsoft.com/office/drawing/2014/main" id="{C54BC8C9-DAB1-4ED9-8966-09C40F494D1D}"/>
-              </a:ext>
-            </a:extLst>
-          </p:cNvPr>
-          <p:cNvSpPr/>
-          <p:nvPr/>
-        </p:nvSpPr>
-        <p:spPr>
-          <a:xfrm>
-            <a:off x="3661900" y="1428800"/>
-            <a:ext cx="216000" cy="216000"/>
-          </a:xfrm>
-          <a:prstGeom prst="ellipse">
-            <a:avLst/>
-          </a:prstGeom>
-          <a:solidFill>
-            <a:schemeClr val="tx1"/>
-          </a:solidFill>
-          <a:ln>
-            <a:noFill/>
-          </a:ln>
-        </p:spPr>
-        <p:style>
-          <a:lnRef idx="2">
-            <a:schemeClr val="accent1">
-              <a:shade val="50000"/>
-            </a:schemeClr>
-          </a:lnRef>
-          <a:fillRef idx="1">
-            <a:schemeClr val="accent1"/>
-          </a:fillRef>
-          <a:effectRef idx="0">
-            <a:schemeClr val="accent1"/>
-          </a:effectRef>
-          <a:fontRef idx="minor">
-            <a:schemeClr val="lt1"/>
-          </a:fontRef>
-        </p:style>
-        <p:txBody>
-          <a:bodyPr rtlCol="0" anchor="ctr"/>
-          <a:lstStyle/>
-          <a:p>
-            <a:pPr algn="ctr"/>
-            <a:endParaRPr lang="hu-HU"/>
-          </a:p>
-        </p:txBody>
-      </p:sp>
-      <p:sp>
-        <p:nvSpPr>
-          <p:cNvPr id="15" name="Ellipszis 14">
-            <a:extLst>
-              <a:ext uri="{FF2B5EF4-FFF2-40B4-BE49-F238E27FC236}">
-                <a16:creationId xmlns:a16="http://schemas.microsoft.com/office/drawing/2014/main" id="{B2DC2D66-8C9E-4FE8-B474-94B17493ACA6}"/>
-              </a:ext>
-            </a:extLst>
-          </p:cNvPr>
-          <p:cNvSpPr/>
-          <p:nvPr/>
-        </p:nvSpPr>
-        <p:spPr>
-          <a:xfrm>
-            <a:off x="3038700" y="1428800"/>
-            <a:ext cx="216000" cy="216000"/>
-          </a:xfrm>
-          <a:prstGeom prst="ellipse">
-            <a:avLst/>
-          </a:prstGeom>
-          <a:solidFill>
-            <a:schemeClr val="tx1"/>
-          </a:solidFill>
-          <a:ln>
-            <a:noFill/>
-          </a:ln>
-        </p:spPr>
-        <p:style>
-          <a:lnRef idx="2">
-            <a:schemeClr val="accent1">
-              <a:shade val="50000"/>
-            </a:schemeClr>
-          </a:lnRef>
-          <a:fillRef idx="1">
-            <a:schemeClr val="accent1"/>
-          </a:fillRef>
-          <a:effectRef idx="0">
-            <a:schemeClr val="accent1"/>
-          </a:effectRef>
-          <a:fontRef idx="minor">
-            <a:schemeClr val="lt1"/>
-          </a:fontRef>
-        </p:style>
-        <p:txBody>
-          <a:bodyPr rtlCol="0" anchor="ctr"/>
-          <a:lstStyle/>
-          <a:p>
-            <a:pPr algn="ctr"/>
-            <a:endParaRPr lang="hu-HU"/>
-          </a:p>
-        </p:txBody>
-      </p:sp>
-      <p:sp>
-        <p:nvSpPr>
-          <p:cNvPr id="16" name="Ellipszis 15">
-            <a:extLst>
-              <a:ext uri="{FF2B5EF4-FFF2-40B4-BE49-F238E27FC236}">
-                <a16:creationId xmlns:a16="http://schemas.microsoft.com/office/drawing/2014/main" id="{0FBD8D16-877D-4C6A-B0DC-8AD9682B6C09}"/>
-              </a:ext>
-            </a:extLst>
-          </p:cNvPr>
-          <p:cNvSpPr/>
-          <p:nvPr/>
-        </p:nvSpPr>
-        <p:spPr>
-          <a:xfrm>
-            <a:off x="3350300" y="2076799"/>
-            <a:ext cx="216000" cy="216000"/>
-          </a:xfrm>
-          <a:prstGeom prst="ellipse">
-            <a:avLst/>
-          </a:prstGeom>
-          <a:solidFill>
-            <a:schemeClr val="tx1"/>
-          </a:solidFill>
-          <a:ln>
-            <a:noFill/>
-          </a:ln>
-        </p:spPr>
-        <p:style>
-          <a:lnRef idx="2">
-            <a:schemeClr val="accent1">
-              <a:shade val="50000"/>
-            </a:schemeClr>
-          </a:lnRef>
-          <a:fillRef idx="1">
-            <a:schemeClr val="accent1"/>
-          </a:fillRef>
-          <a:effectRef idx="0">
-            <a:schemeClr val="accent1"/>
-          </a:effectRef>
-          <a:fontRef idx="minor">
-            <a:schemeClr val="lt1"/>
-          </a:fontRef>
-        </p:style>
-        <p:txBody>
-          <a:bodyPr rtlCol="0" anchor="ctr"/>
-          <a:lstStyle/>
-          <a:p>
-            <a:pPr algn="ctr"/>
-            <a:endParaRPr lang="hu-HU"/>
-          </a:p>
-        </p:txBody>
-      </p:sp>
-      <p:sp>
-        <p:nvSpPr>
-          <p:cNvPr id="17" name="Ellipszis 16">
-            <a:extLst>
-              <a:ext uri="{FF2B5EF4-FFF2-40B4-BE49-F238E27FC236}">
-                <a16:creationId xmlns:a16="http://schemas.microsoft.com/office/drawing/2014/main" id="{D94BB189-E197-43F7-BBFC-6FF54F1AAE49}"/>
-              </a:ext>
-            </a:extLst>
-          </p:cNvPr>
-          <p:cNvSpPr/>
-          <p:nvPr/>
-        </p:nvSpPr>
-        <p:spPr>
-          <a:xfrm>
-            <a:off x="3661900" y="2076799"/>
-            <a:ext cx="216000" cy="216000"/>
-          </a:xfrm>
-          <a:prstGeom prst="ellipse">
-            <a:avLst/>
-          </a:prstGeom>
-          <a:solidFill>
-            <a:schemeClr val="tx1"/>
-          </a:solidFill>
-          <a:ln>
-            <a:noFill/>
-          </a:ln>
-        </p:spPr>
-        <p:style>
-          <a:lnRef idx="2">
-            <a:schemeClr val="accent1">
-              <a:shade val="50000"/>
-            </a:schemeClr>
-          </a:lnRef>
-          <a:fillRef idx="1">
-            <a:schemeClr val="accent1"/>
-          </a:fillRef>
-          <a:effectRef idx="0">
-            <a:schemeClr val="accent1"/>
-          </a:effectRef>
-          <a:fontRef idx="minor">
-            <a:schemeClr val="lt1"/>
-          </a:fontRef>
-        </p:style>
-        <p:txBody>
-          <a:bodyPr rtlCol="0" anchor="ctr"/>
-          <a:lstStyle/>
-          <a:p>
-            <a:pPr algn="ctr"/>
-            <a:endParaRPr lang="hu-HU"/>
-          </a:p>
-        </p:txBody>
-      </p:sp>
-      <p:sp>
-        <p:nvSpPr>
-          <p:cNvPr id="18" name="Ellipszis 17">
-            <a:extLst>
-              <a:ext uri="{FF2B5EF4-FFF2-40B4-BE49-F238E27FC236}">
-                <a16:creationId xmlns:a16="http://schemas.microsoft.com/office/drawing/2014/main" id="{36559C6B-1F9D-44EB-A971-5B726C9A3194}"/>
-              </a:ext>
-            </a:extLst>
-          </p:cNvPr>
-          <p:cNvSpPr/>
-          <p:nvPr/>
-        </p:nvSpPr>
-        <p:spPr>
-          <a:xfrm>
-            <a:off x="3038700" y="2076799"/>
-            <a:ext cx="216000" cy="216000"/>
-          </a:xfrm>
-          <a:prstGeom prst="ellipse">
-            <a:avLst/>
-          </a:prstGeom>
-          <a:solidFill>
-            <a:schemeClr val="tx1"/>
-          </a:solidFill>
-          <a:ln>
-            <a:noFill/>
-          </a:ln>
-        </p:spPr>
-        <p:style>
-          <a:lnRef idx="2">
-            <a:schemeClr val="accent1">
-              <a:shade val="50000"/>
-            </a:schemeClr>
-          </a:lnRef>
-          <a:fillRef idx="1">
-            <a:schemeClr val="accent1"/>
-          </a:fillRef>
-          <a:effectRef idx="0">
-            <a:schemeClr val="accent1"/>
-          </a:effectRef>
-          <a:fontRef idx="minor">
-            <a:schemeClr val="lt1"/>
-          </a:fontRef>
-        </p:style>
-        <p:txBody>
-          <a:bodyPr rtlCol="0" anchor="ctr"/>
-          <a:lstStyle/>
-          <a:p>
-            <a:pPr algn="ctr"/>
-            <a:endParaRPr lang="hu-HU"/>
-          </a:p>
-        </p:txBody>
-      </p:sp>
-    </p:spTree>
-    <p:extLst>
-      <p:ext uri="{BB962C8B-B14F-4D97-AF65-F5344CB8AC3E}">
-        <p14:creationId xmlns:p14="http://schemas.microsoft.com/office/powerpoint/2010/main" val="3670374313"/>
       </p:ext>
     </p:extLst>
   </p:cSld>
@@ -4347,6 +5529,23 @@
 </file>
 
 <file path=customXml/item1.xml><?xml version="1.0" encoding="utf-8"?>
+<p:properties xmlns:p="http://schemas.microsoft.com/office/2006/metadata/properties" xmlns:xsi="http://www.w3.org/2001/XMLSchema-instance" xmlns:pc="http://schemas.microsoft.com/office/infopath/2007/PartnerControls">
+  <documentManagement>
+    <_activity xmlns="84647b37-4f80-4447-b526-19b3eac6576c" xsi:nil="true"/>
+  </documentManagement>
+</p:properties>
+</file>
+
+<file path=customXml/item2.xml><?xml version="1.0" encoding="utf-8"?>
+<?mso-contentType ?>
+<FormTemplates xmlns="http://schemas.microsoft.com/sharepoint/v3/contenttype/forms">
+  <Display>DocumentLibraryForm</Display>
+  <Edit>DocumentLibraryForm</Edit>
+  <New>DocumentLibraryForm</New>
+</FormTemplates>
+</file>
+
+<file path=customXml/item3.xml><?xml version="1.0" encoding="utf-8"?>
 <ct:contentTypeSchema xmlns:ct="http://schemas.microsoft.com/office/2006/metadata/contentType" xmlns:ma="http://schemas.microsoft.com/office/2006/metadata/properties/metaAttributes" ct:_="" ma:_="" ma:contentTypeName="Dokumentum" ma:contentTypeID="0x0101009AE82BD902A47644A5E4D56DF3CCA1E9" ma:contentTypeVersion="14" ma:contentTypeDescription="Új dokumentum létrehozása." ma:contentTypeScope="" ma:versionID="282739e00257845f7fd6d1c4569c022f">
   <xsd:schema xmlns:xsd="http://www.w3.org/2001/XMLSchema" xmlns:xs="http://www.w3.org/2001/XMLSchema" xmlns:p="http://schemas.microsoft.com/office/2006/metadata/properties" xmlns:ns3="84647b37-4f80-4447-b526-19b3eac6576c" xmlns:ns4="7ac5ad9a-cf71-4940-a596-ba9893dcab86" targetNamespace="http://schemas.microsoft.com/office/2006/metadata/properties" ma:root="true" ma:fieldsID="8e1571269d8d82c640ed1bbe686303da" ns3:_="" ns4:_="">
     <xsd:import namespace="84647b37-4f80-4447-b526-19b3eac6576c"/>
@@ -4573,24 +5772,32 @@
 </ct:contentTypeSchema>
 </file>
 
-<file path=customXml/item2.xml><?xml version="1.0" encoding="utf-8"?>
-<?mso-contentType ?>
-<FormTemplates xmlns="http://schemas.microsoft.com/sharepoint/v3/contenttype/forms">
-  <Display>DocumentLibraryForm</Display>
-  <Edit>DocumentLibraryForm</Edit>
-  <New>DocumentLibraryForm</New>
-</FormTemplates>
+<file path=customXml/itemProps1.xml><?xml version="1.0" encoding="utf-8"?>
+<ds:datastoreItem xmlns:ds="http://schemas.openxmlformats.org/officeDocument/2006/customXml" ds:itemID="{2AE1B9F8-234A-419F-9BF4-3DDFFA35B3A3}">
+  <ds:schemaRefs>
+    <ds:schemaRef ds:uri="http://purl.org/dc/terms/"/>
+    <ds:schemaRef ds:uri="http://purl.org/dc/dcmitype/"/>
+    <ds:schemaRef ds:uri="http://schemas.openxmlformats.org/package/2006/metadata/core-properties"/>
+    <ds:schemaRef ds:uri="http://schemas.microsoft.com/office/2006/documentManagement/types"/>
+    <ds:schemaRef ds:uri="http://purl.org/dc/elements/1.1/"/>
+    <ds:schemaRef ds:uri="http://schemas.microsoft.com/office/infopath/2007/PartnerControls"/>
+    <ds:schemaRef ds:uri="84647b37-4f80-4447-b526-19b3eac6576c"/>
+    <ds:schemaRef ds:uri="7ac5ad9a-cf71-4940-a596-ba9893dcab86"/>
+    <ds:schemaRef ds:uri="http://schemas.microsoft.com/office/2006/metadata/properties"/>
+    <ds:schemaRef ds:uri="http://www.w3.org/XML/1998/namespace"/>
+  </ds:schemaRefs>
+</ds:datastoreItem>
 </file>
 
-<file path=customXml/item3.xml><?xml version="1.0" encoding="utf-8"?>
-<p:properties xmlns:p="http://schemas.microsoft.com/office/2006/metadata/properties" xmlns:xsi="http://www.w3.org/2001/XMLSchema-instance" xmlns:pc="http://schemas.microsoft.com/office/infopath/2007/PartnerControls">
-  <documentManagement>
-    <_activity xmlns="84647b37-4f80-4447-b526-19b3eac6576c" xsi:nil="true"/>
-  </documentManagement>
-</p:properties>
+<file path=customXml/itemProps2.xml><?xml version="1.0" encoding="utf-8"?>
+<ds:datastoreItem xmlns:ds="http://schemas.openxmlformats.org/officeDocument/2006/customXml" ds:itemID="{7B7B3675-DAB2-4F0A-96E9-8BB1F41D273B}">
+  <ds:schemaRefs>
+    <ds:schemaRef ds:uri="http://schemas.microsoft.com/sharepoint/v3/contenttype/forms"/>
+  </ds:schemaRefs>
+</ds:datastoreItem>
 </file>
 
-<file path=customXml/itemProps1.xml><?xml version="1.0" encoding="utf-8"?>
+<file path=customXml/itemProps3.xml><?xml version="1.0" encoding="utf-8"?>
 <ds:datastoreItem xmlns:ds="http://schemas.openxmlformats.org/officeDocument/2006/customXml" ds:itemID="{14F07453-685F-4D6B-98E0-627402C21DAB}">
   <ds:schemaRefs>
     <ds:schemaRef ds:uri="http://schemas.microsoft.com/office/2006/metadata/contentType"/>
@@ -4607,29 +5814,4 @@
     <ds:schemaRef ds:uri="http://schemas.microsoft.com/internal/obd"/>
   </ds:schemaRefs>
 </ds:datastoreItem>
-</file>
-
-<file path=customXml/itemProps2.xml><?xml version="1.0" encoding="utf-8"?>
-<ds:datastoreItem xmlns:ds="http://schemas.openxmlformats.org/officeDocument/2006/customXml" ds:itemID="{7B7B3675-DAB2-4F0A-96E9-8BB1F41D273B}">
-  <ds:schemaRefs>
-    <ds:schemaRef ds:uri="http://schemas.microsoft.com/sharepoint/v3/contenttype/forms"/>
-  </ds:schemaRefs>
-</ds:datastoreItem>
-</file>
-
-<file path=customXml/itemProps3.xml><?xml version="1.0" encoding="utf-8"?>
-<ds:datastoreItem xmlns:ds="http://schemas.openxmlformats.org/officeDocument/2006/customXml" ds:itemID="{2AE1B9F8-234A-419F-9BF4-3DDFFA35B3A3}">
-  <ds:schemaRefs>
-    <ds:schemaRef ds:uri="http://purl.org/dc/terms/"/>
-    <ds:schemaRef ds:uri="http://purl.org/dc/dcmitype/"/>
-    <ds:schemaRef ds:uri="http://schemas.openxmlformats.org/package/2006/metadata/core-properties"/>
-    <ds:schemaRef ds:uri="http://schemas.microsoft.com/office/2006/documentManagement/types"/>
-    <ds:schemaRef ds:uri="http://purl.org/dc/elements/1.1/"/>
-    <ds:schemaRef ds:uri="http://schemas.microsoft.com/office/infopath/2007/PartnerControls"/>
-    <ds:schemaRef ds:uri="84647b37-4f80-4447-b526-19b3eac6576c"/>
-    <ds:schemaRef ds:uri="7ac5ad9a-cf71-4940-a596-ba9893dcab86"/>
-    <ds:schemaRef ds:uri="http://schemas.microsoft.com/office/2006/metadata/properties"/>
-    <ds:schemaRef ds:uri="http://www.w3.org/XML/1998/namespace"/>
-  </ds:schemaRefs>
-</ds:datastoreItem>
 </file>